--- a/Analysis/editingplots.pptx
+++ b/Analysis/editingplots.pptx
@@ -6,6 +6,8 @@
   </p:sldMasterIdLst>
   <p:sldIdLst>
     <p:sldId id="256" r:id="rId2"/>
+    <p:sldId id="257" r:id="rId3"/>
+    <p:sldId id="258" r:id="rId4"/>
   </p:sldIdLst>
   <p:sldSz cx="12192000" cy="6858000"/>
   <p:notesSz cx="6858000" cy="9144000"/>
@@ -104,13 +106,18 @@
       </a:defRPr>
     </a:lvl9pPr>
   </p:defaultTextStyle>
+  <p:extLst>
+    <p:ext uri="{EFAFB233-063F-42B5-8137-9DF3F51BA10A}">
+      <p15:sldGuideLst xmlns:p15="http://schemas.microsoft.com/office/powerpoint/2012/main"/>
+    </p:ext>
+  </p:extLst>
 </p:presentation>
 </file>
 
 <file path=ppt/revisionInfo.xml><?xml version="1.0" encoding="utf-8"?>
 <p1510:revInfo xmlns:a="http://schemas.openxmlformats.org/drawingml/2006/main" xmlns:r="http://schemas.openxmlformats.org/officeDocument/2006/relationships" xmlns:p1510="http://schemas.microsoft.com/office/powerpoint/2015/10/main">
   <p1510:revLst>
-    <p1510:client id="{E58C2093-57B6-4021-8C3A-A0D9380A847A}" v="14" dt="2024-04-03T16:18:34.793"/>
+    <p1510:client id="{E58C2093-57B6-4021-8C3A-A0D9380A847A}" v="43" dt="2024-04-11T18:39:50.130"/>
   </p1510:revLst>
 </p1510:revInfo>
 </file>
@@ -119,8 +126,8 @@
 <pc:chgInfo xmlns:a="http://schemas.openxmlformats.org/drawingml/2006/main" xmlns:r="http://schemas.openxmlformats.org/officeDocument/2006/relationships" xmlns:ac="http://schemas.microsoft.com/office/drawing/2013/main/command" xmlns:pc="http://schemas.microsoft.com/office/powerpoint/2013/main/command">
   <pc:docChgLst>
     <pc:chgData name="Deegan, Eva S" userId="ae3b14c2-f29a-4e9c-95fa-aa21238c8fd4" providerId="ADAL" clId="{E58C2093-57B6-4021-8C3A-A0D9380A847A}"/>
-    <pc:docChg chg="undo custSel modSld">
-      <pc:chgData name="Deegan, Eva S" userId="ae3b14c2-f29a-4e9c-95fa-aa21238c8fd4" providerId="ADAL" clId="{E58C2093-57B6-4021-8C3A-A0D9380A847A}" dt="2024-04-03T16:18:34.793" v="53" actId="14826"/>
+    <pc:docChg chg="undo custSel addSld modSld">
+      <pc:chgData name="Deegan, Eva S" userId="ae3b14c2-f29a-4e9c-95fa-aa21238c8fd4" providerId="ADAL" clId="{E58C2093-57B6-4021-8C3A-A0D9380A847A}" dt="2024-04-11T18:40:09.653" v="276" actId="1076"/>
       <pc:docMkLst>
         <pc:docMk/>
       </pc:docMkLst>
@@ -219,6 +226,236 @@
           </ac:picMkLst>
         </pc:picChg>
       </pc:sldChg>
+      <pc:sldChg chg="addSp delSp modSp new mod">
+        <pc:chgData name="Deegan, Eva S" userId="ae3b14c2-f29a-4e9c-95fa-aa21238c8fd4" providerId="ADAL" clId="{E58C2093-57B6-4021-8C3A-A0D9380A847A}" dt="2024-04-11T18:37:23.669" v="223" actId="1076"/>
+        <pc:sldMkLst>
+          <pc:docMk/>
+          <pc:sldMk cId="342745335" sldId="257"/>
+        </pc:sldMkLst>
+        <pc:spChg chg="add mod">
+          <ac:chgData name="Deegan, Eva S" userId="ae3b14c2-f29a-4e9c-95fa-aa21238c8fd4" providerId="ADAL" clId="{E58C2093-57B6-4021-8C3A-A0D9380A847A}" dt="2024-04-11T18:05:48.662" v="197" actId="1076"/>
+          <ac:spMkLst>
+            <pc:docMk/>
+            <pc:sldMk cId="342745335" sldId="257"/>
+            <ac:spMk id="4" creationId="{3329508D-306F-FED8-4AA0-BBC25E6D7F28}"/>
+          </ac:spMkLst>
+        </pc:spChg>
+        <pc:spChg chg="add mod">
+          <ac:chgData name="Deegan, Eva S" userId="ae3b14c2-f29a-4e9c-95fa-aa21238c8fd4" providerId="ADAL" clId="{E58C2093-57B6-4021-8C3A-A0D9380A847A}" dt="2024-04-11T17:57:15.400" v="141" actId="1076"/>
+          <ac:spMkLst>
+            <pc:docMk/>
+            <pc:sldMk cId="342745335" sldId="257"/>
+            <ac:spMk id="5" creationId="{51FAC376-B3E3-CE58-81F1-FEBDB7B6B1E8}"/>
+          </ac:spMkLst>
+        </pc:spChg>
+        <pc:spChg chg="add mod">
+          <ac:chgData name="Deegan, Eva S" userId="ae3b14c2-f29a-4e9c-95fa-aa21238c8fd4" providerId="ADAL" clId="{E58C2093-57B6-4021-8C3A-A0D9380A847A}" dt="2024-04-11T18:03:50.264" v="174" actId="1076"/>
+          <ac:spMkLst>
+            <pc:docMk/>
+            <pc:sldMk cId="342745335" sldId="257"/>
+            <ac:spMk id="6" creationId="{4B4BAF50-9A65-EBD8-D980-34AB2F9295DD}"/>
+          </ac:spMkLst>
+        </pc:spChg>
+        <pc:spChg chg="add mod">
+          <ac:chgData name="Deegan, Eva S" userId="ae3b14c2-f29a-4e9c-95fa-aa21238c8fd4" providerId="ADAL" clId="{E58C2093-57B6-4021-8C3A-A0D9380A847A}" dt="2024-04-11T18:04:00.408" v="176" actId="1076"/>
+          <ac:spMkLst>
+            <pc:docMk/>
+            <pc:sldMk cId="342745335" sldId="257"/>
+            <ac:spMk id="7" creationId="{5A3554D5-328E-8E2D-95FA-34B66B4A7190}"/>
+          </ac:spMkLst>
+        </pc:spChg>
+        <pc:spChg chg="add del mod">
+          <ac:chgData name="Deegan, Eva S" userId="ae3b14c2-f29a-4e9c-95fa-aa21238c8fd4" providerId="ADAL" clId="{E58C2093-57B6-4021-8C3A-A0D9380A847A}" dt="2024-04-11T17:26:38.026" v="102" actId="478"/>
+          <ac:spMkLst>
+            <pc:docMk/>
+            <pc:sldMk cId="342745335" sldId="257"/>
+            <ac:spMk id="8" creationId="{DDE6E242-E4A0-35C8-69A8-D75728BBA27E}"/>
+          </ac:spMkLst>
+        </pc:spChg>
+        <pc:spChg chg="add del mod">
+          <ac:chgData name="Deegan, Eva S" userId="ae3b14c2-f29a-4e9c-95fa-aa21238c8fd4" providerId="ADAL" clId="{E58C2093-57B6-4021-8C3A-A0D9380A847A}" dt="2024-04-11T17:26:40.905" v="103" actId="478"/>
+          <ac:spMkLst>
+            <pc:docMk/>
+            <pc:sldMk cId="342745335" sldId="257"/>
+            <ac:spMk id="9" creationId="{6F4863E6-8D8F-8451-282A-77DDFE63E1E2}"/>
+          </ac:spMkLst>
+        </pc:spChg>
+        <pc:spChg chg="add mod">
+          <ac:chgData name="Deegan, Eva S" userId="ae3b14c2-f29a-4e9c-95fa-aa21238c8fd4" providerId="ADAL" clId="{E58C2093-57B6-4021-8C3A-A0D9380A847A}" dt="2024-04-11T18:04:09.449" v="178" actId="1076"/>
+          <ac:spMkLst>
+            <pc:docMk/>
+            <pc:sldMk cId="342745335" sldId="257"/>
+            <ac:spMk id="10" creationId="{08E5834A-762C-C97E-6C17-126C4BD7BA1A}"/>
+          </ac:spMkLst>
+        </pc:spChg>
+        <pc:spChg chg="add mod">
+          <ac:chgData name="Deegan, Eva S" userId="ae3b14c2-f29a-4e9c-95fa-aa21238c8fd4" providerId="ADAL" clId="{E58C2093-57B6-4021-8C3A-A0D9380A847A}" dt="2024-04-11T17:27:52.530" v="136" actId="1076"/>
+          <ac:spMkLst>
+            <pc:docMk/>
+            <pc:sldMk cId="342745335" sldId="257"/>
+            <ac:spMk id="13" creationId="{708BD760-456F-CD60-7D32-3CF4274E05B9}"/>
+          </ac:spMkLst>
+        </pc:spChg>
+        <pc:spChg chg="add mod">
+          <ac:chgData name="Deegan, Eva S" userId="ae3b14c2-f29a-4e9c-95fa-aa21238c8fd4" providerId="ADAL" clId="{E58C2093-57B6-4021-8C3A-A0D9380A847A}" dt="2024-04-11T18:37:23.669" v="223" actId="1076"/>
+          <ac:spMkLst>
+            <pc:docMk/>
+            <pc:sldMk cId="342745335" sldId="257"/>
+            <ac:spMk id="16" creationId="{49A9FDCD-E610-AF2D-BD35-9808F883D089}"/>
+          </ac:spMkLst>
+        </pc:spChg>
+        <pc:spChg chg="add mod">
+          <ac:chgData name="Deegan, Eva S" userId="ae3b14c2-f29a-4e9c-95fa-aa21238c8fd4" providerId="ADAL" clId="{E58C2093-57B6-4021-8C3A-A0D9380A847A}" dt="2024-04-11T18:05:00.160" v="196" actId="1076"/>
+          <ac:spMkLst>
+            <pc:docMk/>
+            <pc:sldMk cId="342745335" sldId="257"/>
+            <ac:spMk id="17" creationId="{22A413F6-5F2F-1285-1955-26C0F36AB41B}"/>
+          </ac:spMkLst>
+        </pc:spChg>
+        <pc:picChg chg="add mod modCrop">
+          <ac:chgData name="Deegan, Eva S" userId="ae3b14c2-f29a-4e9c-95fa-aa21238c8fd4" providerId="ADAL" clId="{E58C2093-57B6-4021-8C3A-A0D9380A847A}" dt="2024-04-11T18:02:39.688" v="165" actId="732"/>
+          <ac:picMkLst>
+            <pc:docMk/>
+            <pc:sldMk cId="342745335" sldId="257"/>
+            <ac:picMk id="3" creationId="{E5183A98-1FE4-4491-99B2-B6AFB6E47DF4}"/>
+          </ac:picMkLst>
+        </pc:picChg>
+        <pc:picChg chg="add mod ord modCrop">
+          <ac:chgData name="Deegan, Eva S" userId="ae3b14c2-f29a-4e9c-95fa-aa21238c8fd4" providerId="ADAL" clId="{E58C2093-57B6-4021-8C3A-A0D9380A847A}" dt="2024-04-11T18:02:44.692" v="166" actId="167"/>
+          <ac:picMkLst>
+            <pc:docMk/>
+            <pc:sldMk cId="342745335" sldId="257"/>
+            <ac:picMk id="14" creationId="{79DF00AC-798B-DA58-3501-283A44C603DA}"/>
+          </ac:picMkLst>
+        </pc:picChg>
+        <pc:picChg chg="add mod ord modCrop">
+          <ac:chgData name="Deegan, Eva S" userId="ae3b14c2-f29a-4e9c-95fa-aa21238c8fd4" providerId="ADAL" clId="{E58C2093-57B6-4021-8C3A-A0D9380A847A}" dt="2024-04-11T18:07:07.337" v="198" actId="1036"/>
+          <ac:picMkLst>
+            <pc:docMk/>
+            <pc:sldMk cId="342745335" sldId="257"/>
+            <ac:picMk id="15" creationId="{7646A4C5-60E3-3CE2-8539-A6164495BD32}"/>
+          </ac:picMkLst>
+        </pc:picChg>
+        <pc:cxnChg chg="add mod">
+          <ac:chgData name="Deegan, Eva S" userId="ae3b14c2-f29a-4e9c-95fa-aa21238c8fd4" providerId="ADAL" clId="{E58C2093-57B6-4021-8C3A-A0D9380A847A}" dt="2024-04-11T18:02:39.688" v="165" actId="732"/>
+          <ac:cxnSpMkLst>
+            <pc:docMk/>
+            <pc:sldMk cId="342745335" sldId="257"/>
+            <ac:cxnSpMk id="12" creationId="{5CE13AF4-6640-CCB0-9007-98AF3D72B520}"/>
+          </ac:cxnSpMkLst>
+        </pc:cxnChg>
+      </pc:sldChg>
+      <pc:sldChg chg="addSp delSp modSp new mod">
+        <pc:chgData name="Deegan, Eva S" userId="ae3b14c2-f29a-4e9c-95fa-aa21238c8fd4" providerId="ADAL" clId="{E58C2093-57B6-4021-8C3A-A0D9380A847A}" dt="2024-04-11T18:40:09.653" v="276" actId="1076"/>
+        <pc:sldMkLst>
+          <pc:docMk/>
+          <pc:sldMk cId="2843270418" sldId="258"/>
+        </pc:sldMkLst>
+        <pc:spChg chg="add mod">
+          <ac:chgData name="Deegan, Eva S" userId="ae3b14c2-f29a-4e9c-95fa-aa21238c8fd4" providerId="ADAL" clId="{E58C2093-57B6-4021-8C3A-A0D9380A847A}" dt="2024-04-11T18:38:08.102" v="233" actId="1076"/>
+          <ac:spMkLst>
+            <pc:docMk/>
+            <pc:sldMk cId="2843270418" sldId="258"/>
+            <ac:spMk id="6" creationId="{29078BEE-41E1-F912-CF47-777A87313178}"/>
+          </ac:spMkLst>
+        </pc:spChg>
+        <pc:spChg chg="add mod">
+          <ac:chgData name="Deegan, Eva S" userId="ae3b14c2-f29a-4e9c-95fa-aa21238c8fd4" providerId="ADAL" clId="{E58C2093-57B6-4021-8C3A-A0D9380A847A}" dt="2024-04-11T18:37:56.877" v="229" actId="1076"/>
+          <ac:spMkLst>
+            <pc:docMk/>
+            <pc:sldMk cId="2843270418" sldId="258"/>
+            <ac:spMk id="7" creationId="{80E8490C-D853-38C2-D50C-C94593526263}"/>
+          </ac:spMkLst>
+        </pc:spChg>
+        <pc:spChg chg="add del mod">
+          <ac:chgData name="Deegan, Eva S" userId="ae3b14c2-f29a-4e9c-95fa-aa21238c8fd4" providerId="ADAL" clId="{E58C2093-57B6-4021-8C3A-A0D9380A847A}" dt="2024-04-11T18:38:14.594" v="235"/>
+          <ac:spMkLst>
+            <pc:docMk/>
+            <pc:sldMk cId="2843270418" sldId="258"/>
+            <ac:spMk id="8" creationId="{1387D6B0-5CDE-BC6D-DE70-92D6BBF51A12}"/>
+          </ac:spMkLst>
+        </pc:spChg>
+        <pc:spChg chg="add mod">
+          <ac:chgData name="Deegan, Eva S" userId="ae3b14c2-f29a-4e9c-95fa-aa21238c8fd4" providerId="ADAL" clId="{E58C2093-57B6-4021-8C3A-A0D9380A847A}" dt="2024-04-11T18:38:25.253" v="238" actId="1076"/>
+          <ac:spMkLst>
+            <pc:docMk/>
+            <pc:sldMk cId="2843270418" sldId="258"/>
+            <ac:spMk id="9" creationId="{9F5F4D2A-5AB3-0AE8-1739-E804C8A57B84}"/>
+          </ac:spMkLst>
+        </pc:spChg>
+        <pc:spChg chg="add mod">
+          <ac:chgData name="Deegan, Eva S" userId="ae3b14c2-f29a-4e9c-95fa-aa21238c8fd4" providerId="ADAL" clId="{E58C2093-57B6-4021-8C3A-A0D9380A847A}" dt="2024-04-11T18:38:33.246" v="245" actId="20577"/>
+          <ac:spMkLst>
+            <pc:docMk/>
+            <pc:sldMk cId="2843270418" sldId="258"/>
+            <ac:spMk id="10" creationId="{3E28EB1E-3606-B82C-DA5A-2F4F2F811E4D}"/>
+          </ac:spMkLst>
+        </pc:spChg>
+        <pc:spChg chg="add mod">
+          <ac:chgData name="Deegan, Eva S" userId="ae3b14c2-f29a-4e9c-95fa-aa21238c8fd4" providerId="ADAL" clId="{E58C2093-57B6-4021-8C3A-A0D9380A847A}" dt="2024-04-11T18:38:54.877" v="255" actId="20577"/>
+          <ac:spMkLst>
+            <pc:docMk/>
+            <pc:sldMk cId="2843270418" sldId="258"/>
+            <ac:spMk id="11" creationId="{E4C8FAF2-5299-EEC8-A32B-D28FBF429AC4}"/>
+          </ac:spMkLst>
+        </pc:spChg>
+        <pc:spChg chg="add mod">
+          <ac:chgData name="Deegan, Eva S" userId="ae3b14c2-f29a-4e9c-95fa-aa21238c8fd4" providerId="ADAL" clId="{E58C2093-57B6-4021-8C3A-A0D9380A847A}" dt="2024-04-11T18:39:13.389" v="261" actId="20577"/>
+          <ac:spMkLst>
+            <pc:docMk/>
+            <pc:sldMk cId="2843270418" sldId="258"/>
+            <ac:spMk id="12" creationId="{666044CE-4E27-A630-7AFE-C039FC4C4033}"/>
+          </ac:spMkLst>
+        </pc:spChg>
+        <pc:spChg chg="add mod">
+          <ac:chgData name="Deegan, Eva S" userId="ae3b14c2-f29a-4e9c-95fa-aa21238c8fd4" providerId="ADAL" clId="{E58C2093-57B6-4021-8C3A-A0D9380A847A}" dt="2024-04-11T18:39:33.230" v="271" actId="20577"/>
+          <ac:spMkLst>
+            <pc:docMk/>
+            <pc:sldMk cId="2843270418" sldId="258"/>
+            <ac:spMk id="13" creationId="{00F128A9-57CD-9869-5E8F-F5BE9F457A3B}"/>
+          </ac:spMkLst>
+        </pc:spChg>
+        <pc:spChg chg="add mod">
+          <ac:chgData name="Deegan, Eva S" userId="ae3b14c2-f29a-4e9c-95fa-aa21238c8fd4" providerId="ADAL" clId="{E58C2093-57B6-4021-8C3A-A0D9380A847A}" dt="2024-04-11T18:40:09.653" v="276" actId="1076"/>
+          <ac:spMkLst>
+            <pc:docMk/>
+            <pc:sldMk cId="2843270418" sldId="258"/>
+            <ac:spMk id="15" creationId="{52F50A45-5B82-8624-F923-0AFC7D229F1B}"/>
+          </ac:spMkLst>
+        </pc:spChg>
+        <pc:picChg chg="add mod modCrop">
+          <ac:chgData name="Deegan, Eva S" userId="ae3b14c2-f29a-4e9c-95fa-aa21238c8fd4" providerId="ADAL" clId="{E58C2093-57B6-4021-8C3A-A0D9380A847A}" dt="2024-04-11T18:36:50.532" v="222" actId="34135"/>
+          <ac:picMkLst>
+            <pc:docMk/>
+            <pc:sldMk cId="2843270418" sldId="258"/>
+            <ac:picMk id="3" creationId="{98595FB7-B7C4-95A4-72EE-8ACD4411653F}"/>
+          </ac:picMkLst>
+        </pc:picChg>
+        <pc:picChg chg="add mod modCrop">
+          <ac:chgData name="Deegan, Eva S" userId="ae3b14c2-f29a-4e9c-95fa-aa21238c8fd4" providerId="ADAL" clId="{E58C2093-57B6-4021-8C3A-A0D9380A847A}" dt="2024-04-11T18:36:50.532" v="222" actId="34135"/>
+          <ac:picMkLst>
+            <pc:docMk/>
+            <pc:sldMk cId="2843270418" sldId="258"/>
+            <ac:picMk id="4" creationId="{3FE76828-6482-C5F7-9876-F1D66BAAB3CF}"/>
+          </ac:picMkLst>
+        </pc:picChg>
+        <pc:picChg chg="add mod modCrop">
+          <ac:chgData name="Deegan, Eva S" userId="ae3b14c2-f29a-4e9c-95fa-aa21238c8fd4" providerId="ADAL" clId="{E58C2093-57B6-4021-8C3A-A0D9380A847A}" dt="2024-04-11T18:36:50.532" v="222" actId="34135"/>
+          <ac:picMkLst>
+            <pc:docMk/>
+            <pc:sldMk cId="2843270418" sldId="258"/>
+            <ac:picMk id="5" creationId="{7FF53BED-13E0-32E4-203C-3189A5A9BD5F}"/>
+          </ac:picMkLst>
+        </pc:picChg>
+        <pc:cxnChg chg="add mod">
+          <ac:chgData name="Deegan, Eva S" userId="ae3b14c2-f29a-4e9c-95fa-aa21238c8fd4" providerId="ADAL" clId="{E58C2093-57B6-4021-8C3A-A0D9380A847A}" dt="2024-04-11T18:39:57.631" v="273" actId="1076"/>
+          <ac:cxnSpMkLst>
+            <pc:docMk/>
+            <pc:sldMk cId="2843270418" sldId="258"/>
+            <ac:cxnSpMk id="14" creationId="{E035A26F-9DCB-4201-8763-E95ABC72A2C4}"/>
+          </ac:cxnSpMkLst>
+        </pc:cxnChg>
+      </pc:sldChg>
     </pc:docChg>
   </pc:docChgLst>
 </pc:chgInfo>
@@ -371,7 +608,7 @@
           <a:p>
             <a:fld id="{F70EA678-BCEF-4C66-9D01-277C4F939508}" type="datetimeFigureOut">
               <a:rPr lang="en-US" smtClean="0"/>
-              <a:t>4/3/2024</a:t>
+              <a:t>4/11/2024</a:t>
             </a:fld>
             <a:endParaRPr lang="en-US" dirty="0"/>
           </a:p>
@@ -569,7 +806,7 @@
           <a:p>
             <a:fld id="{F70EA678-BCEF-4C66-9D01-277C4F939508}" type="datetimeFigureOut">
               <a:rPr lang="en-US" smtClean="0"/>
-              <a:t>4/3/2024</a:t>
+              <a:t>4/11/2024</a:t>
             </a:fld>
             <a:endParaRPr lang="en-US" dirty="0"/>
           </a:p>
@@ -777,7 +1014,7 @@
           <a:p>
             <a:fld id="{F70EA678-BCEF-4C66-9D01-277C4F939508}" type="datetimeFigureOut">
               <a:rPr lang="en-US" smtClean="0"/>
-              <a:t>4/3/2024</a:t>
+              <a:t>4/11/2024</a:t>
             </a:fld>
             <a:endParaRPr lang="en-US" dirty="0"/>
           </a:p>
@@ -975,7 +1212,7 @@
           <a:p>
             <a:fld id="{F70EA678-BCEF-4C66-9D01-277C4F939508}" type="datetimeFigureOut">
               <a:rPr lang="en-US" smtClean="0"/>
-              <a:t>4/3/2024</a:t>
+              <a:t>4/11/2024</a:t>
             </a:fld>
             <a:endParaRPr lang="en-US" dirty="0"/>
           </a:p>
@@ -1250,7 +1487,7 @@
           <a:p>
             <a:fld id="{F70EA678-BCEF-4C66-9D01-277C4F939508}" type="datetimeFigureOut">
               <a:rPr lang="en-US" smtClean="0"/>
-              <a:t>4/3/2024</a:t>
+              <a:t>4/11/2024</a:t>
             </a:fld>
             <a:endParaRPr lang="en-US" dirty="0"/>
           </a:p>
@@ -1515,7 +1752,7 @@
           <a:p>
             <a:fld id="{F70EA678-BCEF-4C66-9D01-277C4F939508}" type="datetimeFigureOut">
               <a:rPr lang="en-US" smtClean="0"/>
-              <a:t>4/3/2024</a:t>
+              <a:t>4/11/2024</a:t>
             </a:fld>
             <a:endParaRPr lang="en-US" dirty="0"/>
           </a:p>
@@ -1927,7 +2164,7 @@
           <a:p>
             <a:fld id="{F70EA678-BCEF-4C66-9D01-277C4F939508}" type="datetimeFigureOut">
               <a:rPr lang="en-US" smtClean="0"/>
-              <a:t>4/3/2024</a:t>
+              <a:t>4/11/2024</a:t>
             </a:fld>
             <a:endParaRPr lang="en-US" dirty="0"/>
           </a:p>
@@ -2068,7 +2305,7 @@
           <a:p>
             <a:fld id="{F70EA678-BCEF-4C66-9D01-277C4F939508}" type="datetimeFigureOut">
               <a:rPr lang="en-US" smtClean="0"/>
-              <a:t>4/3/2024</a:t>
+              <a:t>4/11/2024</a:t>
             </a:fld>
             <a:endParaRPr lang="en-US" dirty="0"/>
           </a:p>
@@ -2181,7 +2418,7 @@
           <a:p>
             <a:fld id="{F70EA678-BCEF-4C66-9D01-277C4F939508}" type="datetimeFigureOut">
               <a:rPr lang="en-US" smtClean="0"/>
-              <a:t>4/3/2024</a:t>
+              <a:t>4/11/2024</a:t>
             </a:fld>
             <a:endParaRPr lang="en-US" dirty="0"/>
           </a:p>
@@ -2492,7 +2729,7 @@
           <a:p>
             <a:fld id="{F70EA678-BCEF-4C66-9D01-277C4F939508}" type="datetimeFigureOut">
               <a:rPr lang="en-US" smtClean="0"/>
-              <a:t>4/3/2024</a:t>
+              <a:t>4/11/2024</a:t>
             </a:fld>
             <a:endParaRPr lang="en-US" dirty="0"/>
           </a:p>
@@ -2780,7 +3017,7 @@
           <a:p>
             <a:fld id="{F70EA678-BCEF-4C66-9D01-277C4F939508}" type="datetimeFigureOut">
               <a:rPr lang="en-US" smtClean="0"/>
-              <a:t>4/3/2024</a:t>
+              <a:t>4/11/2024</a:t>
             </a:fld>
             <a:endParaRPr lang="en-US" dirty="0"/>
           </a:p>
@@ -3021,7 +3258,7 @@
           <a:p>
             <a:fld id="{F70EA678-BCEF-4C66-9D01-277C4F939508}" type="datetimeFigureOut">
               <a:rPr lang="en-US" smtClean="0"/>
-              <a:t>4/3/2024</a:t>
+              <a:t>4/11/2024</a:t>
             </a:fld>
             <a:endParaRPr lang="en-US" dirty="0"/>
           </a:p>
@@ -3766,6 +4003,934 @@
 </p:sld>
 </file>
 
+<file path=ppt/slides/slide2.xml><?xml version="1.0" encoding="utf-8"?>
+<p:sld xmlns:a="http://schemas.openxmlformats.org/drawingml/2006/main" xmlns:r="http://schemas.openxmlformats.org/officeDocument/2006/relationships" xmlns:p="http://schemas.openxmlformats.org/presentationml/2006/main">
+  <p:cSld>
+    <p:spTree>
+      <p:nvGrpSpPr>
+        <p:cNvPr id="1" name=""/>
+        <p:cNvGrpSpPr/>
+        <p:nvPr/>
+      </p:nvGrpSpPr>
+      <p:grpSpPr>
+        <a:xfrm>
+          <a:off x="0" y="0"/>
+          <a:ext cx="0" cy="0"/>
+          <a:chOff x="0" y="0"/>
+          <a:chExt cx="0" cy="0"/>
+        </a:xfrm>
+      </p:grpSpPr>
+      <p:pic>
+        <p:nvPicPr>
+          <p:cNvPr id="15" name="Picture 14">
+            <a:extLst>
+              <a:ext uri="{FF2B5EF4-FFF2-40B4-BE49-F238E27FC236}">
+                <a16:creationId xmlns:a16="http://schemas.microsoft.com/office/drawing/2014/main" id="{7646A4C5-60E3-3CE2-8539-A6164495BD32}"/>
+              </a:ext>
+            </a:extLst>
+          </p:cNvPr>
+          <p:cNvPicPr>
+            <a:picLocks noChangeAspect="1"/>
+          </p:cNvPicPr>
+          <p:nvPr/>
+        </p:nvPicPr>
+        <p:blipFill rotWithShape="1">
+          <a:blip r:embed="rId2">
+            <a:extLst>
+              <a:ext uri="{28A0092B-C50C-407E-A947-70E740481C1C}">
+                <a14:useLocalDpi xmlns:a14="http://schemas.microsoft.com/office/drawing/2010/main" val="0"/>
+              </a:ext>
+            </a:extLst>
+          </a:blip>
+          <a:srcRect l="90532" t="3148" r="-1626" b="10296"/>
+          <a:stretch/>
+        </p:blipFill>
+        <p:spPr>
+          <a:xfrm>
+            <a:off x="9208009" y="546853"/>
+            <a:ext cx="911349" cy="5332738"/>
+          </a:xfrm>
+          <a:prstGeom prst="rect">
+            <a:avLst/>
+          </a:prstGeom>
+        </p:spPr>
+      </p:pic>
+      <p:pic>
+        <p:nvPicPr>
+          <p:cNvPr id="14" name="Picture 13">
+            <a:extLst>
+              <a:ext uri="{FF2B5EF4-FFF2-40B4-BE49-F238E27FC236}">
+                <a16:creationId xmlns:a16="http://schemas.microsoft.com/office/drawing/2014/main" id="{79DF00AC-798B-DA58-3501-283A44C603DA}"/>
+              </a:ext>
+            </a:extLst>
+          </p:cNvPr>
+          <p:cNvPicPr>
+            <a:picLocks noChangeAspect="1"/>
+          </p:cNvPicPr>
+          <p:nvPr/>
+        </p:nvPicPr>
+        <p:blipFill rotWithShape="1">
+          <a:blip r:embed="rId2">
+            <a:extLst>
+              <a:ext uri="{28A0092B-C50C-407E-A947-70E740481C1C}">
+                <a14:useLocalDpi xmlns:a14="http://schemas.microsoft.com/office/drawing/2010/main" val="0"/>
+              </a:ext>
+            </a:extLst>
+          </a:blip>
+          <a:srcRect l="-906" r="89812"/>
+          <a:stretch/>
+        </p:blipFill>
+        <p:spPr>
+          <a:xfrm>
+            <a:off x="2377253" y="348473"/>
+            <a:ext cx="911349" cy="6161053"/>
+          </a:xfrm>
+          <a:prstGeom prst="rect">
+            <a:avLst/>
+          </a:prstGeom>
+        </p:spPr>
+      </p:pic>
+      <p:pic>
+        <p:nvPicPr>
+          <p:cNvPr id="3" name="Picture 2">
+            <a:extLst>
+              <a:ext uri="{FF2B5EF4-FFF2-40B4-BE49-F238E27FC236}">
+                <a16:creationId xmlns:a16="http://schemas.microsoft.com/office/drawing/2014/main" id="{E5183A98-1FE4-4491-99B2-B6AFB6E47DF4}"/>
+              </a:ext>
+            </a:extLst>
+          </p:cNvPr>
+          <p:cNvPicPr>
+            <a:picLocks noChangeAspect="1"/>
+          </p:cNvPicPr>
+          <p:nvPr/>
+        </p:nvPicPr>
+        <p:blipFill rotWithShape="1">
+          <a:blip r:embed="rId2">
+            <a:extLst>
+              <a:ext uri="{28A0092B-C50C-407E-A947-70E740481C1C}">
+                <a14:useLocalDpi xmlns:a14="http://schemas.microsoft.com/office/drawing/2010/main" val="0"/>
+              </a:ext>
+            </a:extLst>
+          </a:blip>
+          <a:srcRect l="11857" r="12117"/>
+          <a:stretch/>
+        </p:blipFill>
+        <p:spPr>
+          <a:xfrm>
+            <a:off x="2962657" y="348473"/>
+            <a:ext cx="6245352" cy="6161053"/>
+          </a:xfrm>
+          <a:prstGeom prst="rect">
+            <a:avLst/>
+          </a:prstGeom>
+        </p:spPr>
+      </p:pic>
+      <p:sp>
+        <p:nvSpPr>
+          <p:cNvPr id="4" name="TextBox 3">
+            <a:extLst>
+              <a:ext uri="{FF2B5EF4-FFF2-40B4-BE49-F238E27FC236}">
+                <a16:creationId xmlns:a16="http://schemas.microsoft.com/office/drawing/2014/main" id="{3329508D-306F-FED8-4AA0-BBC25E6D7F28}"/>
+              </a:ext>
+            </a:extLst>
+          </p:cNvPr>
+          <p:cNvSpPr txBox="1"/>
+          <p:nvPr/>
+        </p:nvSpPr>
+        <p:spPr>
+          <a:xfrm>
+            <a:off x="3145441" y="618220"/>
+            <a:ext cx="1014984" cy="307777"/>
+          </a:xfrm>
+          <a:prstGeom prst="rect">
+            <a:avLst/>
+          </a:prstGeom>
+          <a:noFill/>
+        </p:spPr>
+        <p:txBody>
+          <a:bodyPr wrap="square" rtlCol="0">
+            <a:spAutoFit/>
+          </a:bodyPr>
+          <a:lstStyle/>
+          <a:p>
+            <a:r>
+              <a:rPr lang="en-US" sz="1400" dirty="0"/>
+              <a:t>Pre-Fire</a:t>
+            </a:r>
+          </a:p>
+        </p:txBody>
+      </p:sp>
+      <p:sp>
+        <p:nvSpPr>
+          <p:cNvPr id="5" name="TextBox 4">
+            <a:extLst>
+              <a:ext uri="{FF2B5EF4-FFF2-40B4-BE49-F238E27FC236}">
+                <a16:creationId xmlns:a16="http://schemas.microsoft.com/office/drawing/2014/main" id="{51FAC376-B3E3-CE58-81F1-FEBDB7B6B1E8}"/>
+              </a:ext>
+            </a:extLst>
+          </p:cNvPr>
+          <p:cNvSpPr txBox="1"/>
+          <p:nvPr/>
+        </p:nvSpPr>
+        <p:spPr>
+          <a:xfrm>
+            <a:off x="6557772" y="618220"/>
+            <a:ext cx="1014984" cy="307777"/>
+          </a:xfrm>
+          <a:prstGeom prst="rect">
+            <a:avLst/>
+          </a:prstGeom>
+          <a:noFill/>
+        </p:spPr>
+        <p:txBody>
+          <a:bodyPr wrap="square" rtlCol="0">
+            <a:spAutoFit/>
+          </a:bodyPr>
+          <a:lstStyle/>
+          <a:p>
+            <a:r>
+              <a:rPr lang="en-US" sz="1400" dirty="0"/>
+              <a:t>Post-Fire</a:t>
+            </a:r>
+          </a:p>
+        </p:txBody>
+      </p:sp>
+      <p:sp>
+        <p:nvSpPr>
+          <p:cNvPr id="6" name="TextBox 5">
+            <a:extLst>
+              <a:ext uri="{FF2B5EF4-FFF2-40B4-BE49-F238E27FC236}">
+                <a16:creationId xmlns:a16="http://schemas.microsoft.com/office/drawing/2014/main" id="{4B4BAF50-9A65-EBD8-D980-34AB2F9295DD}"/>
+              </a:ext>
+            </a:extLst>
+          </p:cNvPr>
+          <p:cNvSpPr txBox="1"/>
+          <p:nvPr/>
+        </p:nvSpPr>
+        <p:spPr>
+          <a:xfrm>
+            <a:off x="4596385" y="3504603"/>
+            <a:ext cx="877824" cy="307777"/>
+          </a:xfrm>
+          <a:prstGeom prst="rect">
+            <a:avLst/>
+          </a:prstGeom>
+          <a:noFill/>
+        </p:spPr>
+        <p:txBody>
+          <a:bodyPr wrap="square" rtlCol="0">
+            <a:spAutoFit/>
+          </a:bodyPr>
+          <a:lstStyle/>
+          <a:p>
+            <a:r>
+              <a:rPr lang="en-US" sz="1400" dirty="0">
+                <a:solidFill>
+                  <a:srgbClr val="FF0000"/>
+                </a:solidFill>
+              </a:rPr>
+              <a:t>- 14.7%</a:t>
+            </a:r>
+          </a:p>
+        </p:txBody>
+      </p:sp>
+      <p:sp>
+        <p:nvSpPr>
+          <p:cNvPr id="7" name="TextBox 6">
+            <a:extLst>
+              <a:ext uri="{FF2B5EF4-FFF2-40B4-BE49-F238E27FC236}">
+                <a16:creationId xmlns:a16="http://schemas.microsoft.com/office/drawing/2014/main" id="{5A3554D5-328E-8E2D-95FA-34B66B4A7190}"/>
+              </a:ext>
+            </a:extLst>
+          </p:cNvPr>
+          <p:cNvSpPr txBox="1"/>
+          <p:nvPr/>
+        </p:nvSpPr>
+        <p:spPr>
+          <a:xfrm>
+            <a:off x="5522788" y="4485369"/>
+            <a:ext cx="877824" cy="307777"/>
+          </a:xfrm>
+          <a:prstGeom prst="rect">
+            <a:avLst/>
+          </a:prstGeom>
+          <a:noFill/>
+        </p:spPr>
+        <p:txBody>
+          <a:bodyPr wrap="square" rtlCol="0">
+            <a:spAutoFit/>
+          </a:bodyPr>
+          <a:lstStyle/>
+          <a:p>
+            <a:r>
+              <a:rPr lang="en-US" sz="1400" dirty="0">
+                <a:solidFill>
+                  <a:srgbClr val="FF0000"/>
+                </a:solidFill>
+              </a:rPr>
+              <a:t>- 47.2%</a:t>
+            </a:r>
+          </a:p>
+        </p:txBody>
+      </p:sp>
+      <p:sp>
+        <p:nvSpPr>
+          <p:cNvPr id="10" name="TextBox 9">
+            <a:extLst>
+              <a:ext uri="{FF2B5EF4-FFF2-40B4-BE49-F238E27FC236}">
+                <a16:creationId xmlns:a16="http://schemas.microsoft.com/office/drawing/2014/main" id="{08E5834A-762C-C97E-6C17-126C4BD7BA1A}"/>
+              </a:ext>
+            </a:extLst>
+          </p:cNvPr>
+          <p:cNvSpPr txBox="1"/>
+          <p:nvPr/>
+        </p:nvSpPr>
+        <p:spPr>
+          <a:xfrm>
+            <a:off x="8464484" y="4863082"/>
+            <a:ext cx="877824" cy="307777"/>
+          </a:xfrm>
+          <a:prstGeom prst="rect">
+            <a:avLst/>
+          </a:prstGeom>
+          <a:noFill/>
+        </p:spPr>
+        <p:txBody>
+          <a:bodyPr wrap="square" rtlCol="0">
+            <a:spAutoFit/>
+          </a:bodyPr>
+          <a:lstStyle/>
+          <a:p>
+            <a:r>
+              <a:rPr lang="en-US" sz="1400" dirty="0">
+                <a:solidFill>
+                  <a:srgbClr val="FF0000"/>
+                </a:solidFill>
+              </a:rPr>
+              <a:t>- 59%</a:t>
+            </a:r>
+          </a:p>
+        </p:txBody>
+      </p:sp>
+      <p:cxnSp>
+        <p:nvCxnSpPr>
+          <p:cNvPr id="12" name="Straight Connector 11">
+            <a:extLst>
+              <a:ext uri="{FF2B5EF4-FFF2-40B4-BE49-F238E27FC236}">
+                <a16:creationId xmlns:a16="http://schemas.microsoft.com/office/drawing/2014/main" id="{5CE13AF4-6640-CCB0-9007-98AF3D72B520}"/>
+              </a:ext>
+            </a:extLst>
+          </p:cNvPr>
+          <p:cNvCxnSpPr>
+            <a:stCxn id="3" idx="0"/>
+          </p:cNvCxnSpPr>
+          <p:nvPr/>
+        </p:nvCxnSpPr>
+        <p:spPr>
+          <a:xfrm>
+            <a:off x="6085333" y="348473"/>
+            <a:ext cx="10666" cy="6244351"/>
+          </a:xfrm>
+          <a:prstGeom prst="line">
+            <a:avLst/>
+          </a:prstGeom>
+        </p:spPr>
+        <p:style>
+          <a:lnRef idx="1">
+            <a:schemeClr val="accent1"/>
+          </a:lnRef>
+          <a:fillRef idx="0">
+            <a:schemeClr val="accent1"/>
+          </a:fillRef>
+          <a:effectRef idx="0">
+            <a:schemeClr val="accent1"/>
+          </a:effectRef>
+          <a:fontRef idx="minor">
+            <a:schemeClr val="tx1"/>
+          </a:fontRef>
+        </p:style>
+      </p:cxnSp>
+      <p:sp>
+        <p:nvSpPr>
+          <p:cNvPr id="13" name="TextBox 12">
+            <a:extLst>
+              <a:ext uri="{FF2B5EF4-FFF2-40B4-BE49-F238E27FC236}">
+                <a16:creationId xmlns:a16="http://schemas.microsoft.com/office/drawing/2014/main" id="{708BD760-456F-CD60-7D32-3CF4274E05B9}"/>
+              </a:ext>
+            </a:extLst>
+          </p:cNvPr>
+          <p:cNvSpPr txBox="1"/>
+          <p:nvPr/>
+        </p:nvSpPr>
+        <p:spPr>
+          <a:xfrm>
+            <a:off x="6047232" y="5655004"/>
+            <a:ext cx="780287" cy="430887"/>
+          </a:xfrm>
+          <a:prstGeom prst="rect">
+            <a:avLst/>
+          </a:prstGeom>
+          <a:noFill/>
+        </p:spPr>
+        <p:txBody>
+          <a:bodyPr wrap="square" rtlCol="0">
+            <a:spAutoFit/>
+          </a:bodyPr>
+          <a:lstStyle/>
+          <a:p>
+            <a:r>
+              <a:rPr lang="en-US" sz="1100" dirty="0"/>
+              <a:t>*2 years post-burn</a:t>
+            </a:r>
+          </a:p>
+        </p:txBody>
+      </p:sp>
+      <p:sp>
+        <p:nvSpPr>
+          <p:cNvPr id="16" name="TextBox 15">
+            <a:extLst>
+              <a:ext uri="{FF2B5EF4-FFF2-40B4-BE49-F238E27FC236}">
+                <a16:creationId xmlns:a16="http://schemas.microsoft.com/office/drawing/2014/main" id="{49A9FDCD-E610-AF2D-BD35-9808F883D089}"/>
+              </a:ext>
+            </a:extLst>
+          </p:cNvPr>
+          <p:cNvSpPr txBox="1"/>
+          <p:nvPr/>
+        </p:nvSpPr>
+        <p:spPr>
+          <a:xfrm>
+            <a:off x="9325360" y="3429000"/>
+            <a:ext cx="877824" cy="261610"/>
+          </a:xfrm>
+          <a:prstGeom prst="rect">
+            <a:avLst/>
+          </a:prstGeom>
+          <a:noFill/>
+        </p:spPr>
+        <p:txBody>
+          <a:bodyPr wrap="square" rtlCol="0">
+            <a:spAutoFit/>
+          </a:bodyPr>
+          <a:lstStyle/>
+          <a:p>
+            <a:r>
+              <a:rPr lang="en-US" sz="1100" dirty="0"/>
+              <a:t>- 20%</a:t>
+            </a:r>
+          </a:p>
+        </p:txBody>
+      </p:sp>
+      <p:sp>
+        <p:nvSpPr>
+          <p:cNvPr id="17" name="TextBox 16">
+            <a:extLst>
+              <a:ext uri="{FF2B5EF4-FFF2-40B4-BE49-F238E27FC236}">
+                <a16:creationId xmlns:a16="http://schemas.microsoft.com/office/drawing/2014/main" id="{22A413F6-5F2F-1285-1955-26C0F36AB41B}"/>
+              </a:ext>
+            </a:extLst>
+          </p:cNvPr>
+          <p:cNvSpPr txBox="1"/>
+          <p:nvPr/>
+        </p:nvSpPr>
+        <p:spPr>
+          <a:xfrm>
+            <a:off x="9325360" y="4354564"/>
+            <a:ext cx="877824" cy="261610"/>
+          </a:xfrm>
+          <a:prstGeom prst="rect">
+            <a:avLst/>
+          </a:prstGeom>
+          <a:noFill/>
+        </p:spPr>
+        <p:txBody>
+          <a:bodyPr wrap="square" rtlCol="0">
+            <a:spAutoFit/>
+          </a:bodyPr>
+          <a:lstStyle/>
+          <a:p>
+            <a:r>
+              <a:rPr lang="en-US" sz="1100" dirty="0"/>
+              <a:t>- 50%</a:t>
+            </a:r>
+          </a:p>
+        </p:txBody>
+      </p:sp>
+    </p:spTree>
+    <p:extLst>
+      <p:ext uri="{BB962C8B-B14F-4D97-AF65-F5344CB8AC3E}">
+        <p14:creationId xmlns:p14="http://schemas.microsoft.com/office/powerpoint/2010/main" val="342745335"/>
+      </p:ext>
+    </p:extLst>
+  </p:cSld>
+  <p:clrMapOvr>
+    <a:masterClrMapping/>
+  </p:clrMapOvr>
+</p:sld>
+</file>
+
+<file path=ppt/slides/slide3.xml><?xml version="1.0" encoding="utf-8"?>
+<p:sld xmlns:a="http://schemas.openxmlformats.org/drawingml/2006/main" xmlns:r="http://schemas.openxmlformats.org/officeDocument/2006/relationships" xmlns:p="http://schemas.openxmlformats.org/presentationml/2006/main">
+  <p:cSld>
+    <p:spTree>
+      <p:nvGrpSpPr>
+        <p:cNvPr id="1" name=""/>
+        <p:cNvGrpSpPr/>
+        <p:nvPr/>
+      </p:nvGrpSpPr>
+      <p:grpSpPr>
+        <a:xfrm>
+          <a:off x="0" y="0"/>
+          <a:ext cx="0" cy="0"/>
+          <a:chOff x="0" y="0"/>
+          <a:chExt cx="0" cy="0"/>
+        </a:xfrm>
+      </p:grpSpPr>
+      <p:pic>
+        <p:nvPicPr>
+          <p:cNvPr id="3" name="Picture 2">
+            <a:extLst>
+              <a:ext uri="{FF2B5EF4-FFF2-40B4-BE49-F238E27FC236}">
+                <a16:creationId xmlns:a16="http://schemas.microsoft.com/office/drawing/2014/main" id="{98595FB7-B7C4-95A4-72EE-8ACD4411653F}"/>
+              </a:ext>
+            </a:extLst>
+          </p:cNvPr>
+          <p:cNvPicPr>
+            <a:picLocks noGrp="1" noRot="1" noChangeAspect="1" noMove="1" noResize="1" noEditPoints="1" noAdjustHandles="1" noChangeArrowheads="1" noChangeShapeType="1" noCrop="1"/>
+          </p:cNvPicPr>
+          <p:nvPr/>
+        </p:nvPicPr>
+        <p:blipFill rotWithShape="1">
+          <a:blip r:embed="rId2">
+            <a:extLst>
+              <a:ext uri="{28A0092B-C50C-407E-A947-70E740481C1C}">
+                <a14:useLocalDpi xmlns:a14="http://schemas.microsoft.com/office/drawing/2010/main" val="0"/>
+              </a:ext>
+            </a:extLst>
+          </a:blip>
+          <a:srcRect l="15906" r="19470"/>
+          <a:stretch/>
+        </p:blipFill>
+        <p:spPr>
+          <a:xfrm>
+            <a:off x="3757961" y="509708"/>
+            <a:ext cx="5218771" cy="6056674"/>
+          </a:xfrm>
+          <a:prstGeom prst="rect">
+            <a:avLst/>
+          </a:prstGeom>
+        </p:spPr>
+      </p:pic>
+      <p:pic>
+        <p:nvPicPr>
+          <p:cNvPr id="4" name="Picture 3">
+            <a:extLst>
+              <a:ext uri="{FF2B5EF4-FFF2-40B4-BE49-F238E27FC236}">
+                <a16:creationId xmlns:a16="http://schemas.microsoft.com/office/drawing/2014/main" id="{3FE76828-6482-C5F7-9876-F1D66BAAB3CF}"/>
+              </a:ext>
+            </a:extLst>
+          </p:cNvPr>
+          <p:cNvPicPr>
+            <a:picLocks noGrp="1" noRot="1" noChangeAspect="1" noMove="1" noResize="1" noEditPoints="1" noAdjustHandles="1" noChangeArrowheads="1" noChangeShapeType="1" noCrop="1"/>
+          </p:cNvPicPr>
+          <p:nvPr/>
+        </p:nvPicPr>
+        <p:blipFill rotWithShape="1">
+          <a:blip r:embed="rId2">
+            <a:extLst>
+              <a:ext uri="{28A0092B-C50C-407E-A947-70E740481C1C}">
+                <a14:useLocalDpi xmlns:a14="http://schemas.microsoft.com/office/drawing/2010/main" val="0"/>
+              </a:ext>
+            </a:extLst>
+          </a:blip>
+          <a:srcRect l="-1" r="83709" b="8112"/>
+          <a:stretch/>
+        </p:blipFill>
+        <p:spPr>
+          <a:xfrm>
+            <a:off x="2442338" y="509708"/>
+            <a:ext cx="1315623" cy="5565402"/>
+          </a:xfrm>
+          <a:prstGeom prst="rect">
+            <a:avLst/>
+          </a:prstGeom>
+        </p:spPr>
+      </p:pic>
+      <p:pic>
+        <p:nvPicPr>
+          <p:cNvPr id="5" name="Picture 4">
+            <a:extLst>
+              <a:ext uri="{FF2B5EF4-FFF2-40B4-BE49-F238E27FC236}">
+                <a16:creationId xmlns:a16="http://schemas.microsoft.com/office/drawing/2014/main" id="{7FF53BED-13E0-32E4-203C-3189A5A9BD5F}"/>
+              </a:ext>
+            </a:extLst>
+          </p:cNvPr>
+          <p:cNvPicPr>
+            <a:picLocks noGrp="1" noRot="1" noChangeAspect="1" noMove="1" noResize="1" noEditPoints="1" noAdjustHandles="1" noChangeArrowheads="1" noChangeShapeType="1" noCrop="1"/>
+          </p:cNvPicPr>
+          <p:nvPr/>
+        </p:nvPicPr>
+        <p:blipFill rotWithShape="1">
+          <a:blip r:embed="rId2">
+            <a:extLst>
+              <a:ext uri="{28A0092B-C50C-407E-A947-70E740481C1C}">
+                <a14:useLocalDpi xmlns:a14="http://schemas.microsoft.com/office/drawing/2010/main" val="0"/>
+              </a:ext>
+            </a:extLst>
+          </a:blip>
+          <a:srcRect l="79195" r="1" b="10628"/>
+          <a:stretch/>
+        </p:blipFill>
+        <p:spPr>
+          <a:xfrm>
+            <a:off x="8976732" y="509708"/>
+            <a:ext cx="1680116" cy="5413002"/>
+          </a:xfrm>
+          <a:prstGeom prst="rect">
+            <a:avLst/>
+          </a:prstGeom>
+        </p:spPr>
+      </p:pic>
+      <p:sp>
+        <p:nvSpPr>
+          <p:cNvPr id="6" name="TextBox 5">
+            <a:extLst>
+              <a:ext uri="{FF2B5EF4-FFF2-40B4-BE49-F238E27FC236}">
+                <a16:creationId xmlns:a16="http://schemas.microsoft.com/office/drawing/2014/main" id="{29078BEE-41E1-F912-CF47-777A87313178}"/>
+              </a:ext>
+            </a:extLst>
+          </p:cNvPr>
+          <p:cNvSpPr txBox="1"/>
+          <p:nvPr/>
+        </p:nvSpPr>
+        <p:spPr>
+          <a:xfrm>
+            <a:off x="9310750" y="1200653"/>
+            <a:ext cx="877824" cy="261610"/>
+          </a:xfrm>
+          <a:prstGeom prst="rect">
+            <a:avLst/>
+          </a:prstGeom>
+          <a:noFill/>
+        </p:spPr>
+        <p:txBody>
+          <a:bodyPr wrap="square" rtlCol="0">
+            <a:spAutoFit/>
+          </a:bodyPr>
+          <a:lstStyle/>
+          <a:p>
+            <a:r>
+              <a:rPr lang="en-US" sz="1100" dirty="0"/>
+              <a:t>0%</a:t>
+            </a:r>
+          </a:p>
+        </p:txBody>
+      </p:sp>
+      <p:sp>
+        <p:nvSpPr>
+          <p:cNvPr id="7" name="TextBox 6">
+            <a:extLst>
+              <a:ext uri="{FF2B5EF4-FFF2-40B4-BE49-F238E27FC236}">
+                <a16:creationId xmlns:a16="http://schemas.microsoft.com/office/drawing/2014/main" id="{80E8490C-D853-38C2-D50C-C94593526263}"/>
+              </a:ext>
+            </a:extLst>
+          </p:cNvPr>
+          <p:cNvSpPr txBox="1"/>
+          <p:nvPr/>
+        </p:nvSpPr>
+        <p:spPr>
+          <a:xfrm>
+            <a:off x="9241544" y="1462263"/>
+            <a:ext cx="877824" cy="261610"/>
+          </a:xfrm>
+          <a:prstGeom prst="rect">
+            <a:avLst/>
+          </a:prstGeom>
+          <a:noFill/>
+        </p:spPr>
+        <p:txBody>
+          <a:bodyPr wrap="square" rtlCol="0">
+            <a:spAutoFit/>
+          </a:bodyPr>
+          <a:lstStyle/>
+          <a:p>
+            <a:r>
+              <a:rPr lang="en-US" sz="1100" dirty="0"/>
+              <a:t>- 10%</a:t>
+            </a:r>
+          </a:p>
+        </p:txBody>
+      </p:sp>
+      <p:sp>
+        <p:nvSpPr>
+          <p:cNvPr id="9" name="TextBox 8">
+            <a:extLst>
+              <a:ext uri="{FF2B5EF4-FFF2-40B4-BE49-F238E27FC236}">
+                <a16:creationId xmlns:a16="http://schemas.microsoft.com/office/drawing/2014/main" id="{9F5F4D2A-5AB3-0AE8-1739-E804C8A57B84}"/>
+              </a:ext>
+            </a:extLst>
+          </p:cNvPr>
+          <p:cNvSpPr txBox="1"/>
+          <p:nvPr/>
+        </p:nvSpPr>
+        <p:spPr>
+          <a:xfrm>
+            <a:off x="4058600" y="810244"/>
+            <a:ext cx="1014984" cy="261610"/>
+          </a:xfrm>
+          <a:prstGeom prst="rect">
+            <a:avLst/>
+          </a:prstGeom>
+          <a:noFill/>
+        </p:spPr>
+        <p:txBody>
+          <a:bodyPr wrap="square" rtlCol="0">
+            <a:spAutoFit/>
+          </a:bodyPr>
+          <a:lstStyle/>
+          <a:p>
+            <a:r>
+              <a:rPr lang="en-US" sz="1100" dirty="0"/>
+              <a:t>Pre-Fire</a:t>
+            </a:r>
+          </a:p>
+        </p:txBody>
+      </p:sp>
+      <p:sp>
+        <p:nvSpPr>
+          <p:cNvPr id="10" name="TextBox 9">
+            <a:extLst>
+              <a:ext uri="{FF2B5EF4-FFF2-40B4-BE49-F238E27FC236}">
+                <a16:creationId xmlns:a16="http://schemas.microsoft.com/office/drawing/2014/main" id="{3E28EB1E-3606-B82C-DA5A-2F4F2F811E4D}"/>
+              </a:ext>
+            </a:extLst>
+          </p:cNvPr>
+          <p:cNvSpPr txBox="1"/>
+          <p:nvPr/>
+        </p:nvSpPr>
+        <p:spPr>
+          <a:xfrm>
+            <a:off x="7228520" y="818605"/>
+            <a:ext cx="1014984" cy="261610"/>
+          </a:xfrm>
+          <a:prstGeom prst="rect">
+            <a:avLst/>
+          </a:prstGeom>
+          <a:noFill/>
+        </p:spPr>
+        <p:txBody>
+          <a:bodyPr wrap="square" rtlCol="0">
+            <a:spAutoFit/>
+          </a:bodyPr>
+          <a:lstStyle/>
+          <a:p>
+            <a:r>
+              <a:rPr lang="en-US" sz="1100" dirty="0"/>
+              <a:t>Post-Fire</a:t>
+            </a:r>
+          </a:p>
+        </p:txBody>
+      </p:sp>
+      <p:sp>
+        <p:nvSpPr>
+          <p:cNvPr id="11" name="TextBox 10">
+            <a:extLst>
+              <a:ext uri="{FF2B5EF4-FFF2-40B4-BE49-F238E27FC236}">
+                <a16:creationId xmlns:a16="http://schemas.microsoft.com/office/drawing/2014/main" id="{E4C8FAF2-5299-EEC8-A32B-D28FBF429AC4}"/>
+              </a:ext>
+            </a:extLst>
+          </p:cNvPr>
+          <p:cNvSpPr txBox="1"/>
+          <p:nvPr/>
+        </p:nvSpPr>
+        <p:spPr>
+          <a:xfrm>
+            <a:off x="5489522" y="2425611"/>
+            <a:ext cx="877824" cy="307777"/>
+          </a:xfrm>
+          <a:prstGeom prst="rect">
+            <a:avLst/>
+          </a:prstGeom>
+          <a:noFill/>
+        </p:spPr>
+        <p:txBody>
+          <a:bodyPr wrap="square" rtlCol="0">
+            <a:spAutoFit/>
+          </a:bodyPr>
+          <a:lstStyle/>
+          <a:p>
+            <a:r>
+              <a:rPr lang="en-US" sz="1400" dirty="0">
+                <a:solidFill>
+                  <a:srgbClr val="FF0000"/>
+                </a:solidFill>
+              </a:rPr>
+              <a:t>- 42.6%</a:t>
+            </a:r>
+          </a:p>
+        </p:txBody>
+      </p:sp>
+      <p:sp>
+        <p:nvSpPr>
+          <p:cNvPr id="12" name="TextBox 11">
+            <a:extLst>
+              <a:ext uri="{FF2B5EF4-FFF2-40B4-BE49-F238E27FC236}">
+                <a16:creationId xmlns:a16="http://schemas.microsoft.com/office/drawing/2014/main" id="{666044CE-4E27-A630-7AFE-C039FC4C4033}"/>
+              </a:ext>
+            </a:extLst>
+          </p:cNvPr>
+          <p:cNvSpPr txBox="1"/>
+          <p:nvPr/>
+        </p:nvSpPr>
+        <p:spPr>
+          <a:xfrm>
+            <a:off x="6407044" y="2598678"/>
+            <a:ext cx="877824" cy="307777"/>
+          </a:xfrm>
+          <a:prstGeom prst="rect">
+            <a:avLst/>
+          </a:prstGeom>
+          <a:noFill/>
+        </p:spPr>
+        <p:txBody>
+          <a:bodyPr wrap="square" rtlCol="0">
+            <a:spAutoFit/>
+          </a:bodyPr>
+          <a:lstStyle/>
+          <a:p>
+            <a:r>
+              <a:rPr lang="en-US" sz="1400" dirty="0">
+                <a:solidFill>
+                  <a:srgbClr val="FF0000"/>
+                </a:solidFill>
+              </a:rPr>
+              <a:t>- 45.9%</a:t>
+            </a:r>
+          </a:p>
+        </p:txBody>
+      </p:sp>
+      <p:sp>
+        <p:nvSpPr>
+          <p:cNvPr id="13" name="TextBox 12">
+            <a:extLst>
+              <a:ext uri="{FF2B5EF4-FFF2-40B4-BE49-F238E27FC236}">
+                <a16:creationId xmlns:a16="http://schemas.microsoft.com/office/drawing/2014/main" id="{00F128A9-57CD-9869-5E8F-F5BE9F457A3B}"/>
+              </a:ext>
+            </a:extLst>
+          </p:cNvPr>
+          <p:cNvSpPr txBox="1"/>
+          <p:nvPr/>
+        </p:nvSpPr>
+        <p:spPr>
+          <a:xfrm>
+            <a:off x="8243504" y="3062320"/>
+            <a:ext cx="877824" cy="307777"/>
+          </a:xfrm>
+          <a:prstGeom prst="rect">
+            <a:avLst/>
+          </a:prstGeom>
+          <a:noFill/>
+        </p:spPr>
+        <p:txBody>
+          <a:bodyPr wrap="square" rtlCol="0">
+            <a:spAutoFit/>
+          </a:bodyPr>
+          <a:lstStyle/>
+          <a:p>
+            <a:r>
+              <a:rPr lang="en-US" sz="1400" dirty="0">
+                <a:solidFill>
+                  <a:srgbClr val="FF0000"/>
+                </a:solidFill>
+              </a:rPr>
+              <a:t>- 60.4%</a:t>
+            </a:r>
+          </a:p>
+        </p:txBody>
+      </p:sp>
+      <p:cxnSp>
+        <p:nvCxnSpPr>
+          <p:cNvPr id="14" name="Straight Connector 13">
+            <a:extLst>
+              <a:ext uri="{FF2B5EF4-FFF2-40B4-BE49-F238E27FC236}">
+                <a16:creationId xmlns:a16="http://schemas.microsoft.com/office/drawing/2014/main" id="{E035A26F-9DCB-4201-8763-E95ABC72A2C4}"/>
+              </a:ext>
+            </a:extLst>
+          </p:cNvPr>
+          <p:cNvCxnSpPr/>
+          <p:nvPr/>
+        </p:nvCxnSpPr>
+        <p:spPr>
+          <a:xfrm>
+            <a:off x="6793107" y="291618"/>
+            <a:ext cx="10666" cy="6244351"/>
+          </a:xfrm>
+          <a:prstGeom prst="line">
+            <a:avLst/>
+          </a:prstGeom>
+        </p:spPr>
+        <p:style>
+          <a:lnRef idx="1">
+            <a:schemeClr val="accent1"/>
+          </a:lnRef>
+          <a:fillRef idx="0">
+            <a:schemeClr val="accent1"/>
+          </a:fillRef>
+          <a:effectRef idx="0">
+            <a:schemeClr val="accent1"/>
+          </a:effectRef>
+          <a:fontRef idx="minor">
+            <a:schemeClr val="tx1"/>
+          </a:fontRef>
+        </p:style>
+      </p:cxnSp>
+      <p:sp>
+        <p:nvSpPr>
+          <p:cNvPr id="15" name="TextBox 14">
+            <a:extLst>
+              <a:ext uri="{FF2B5EF4-FFF2-40B4-BE49-F238E27FC236}">
+                <a16:creationId xmlns:a16="http://schemas.microsoft.com/office/drawing/2014/main" id="{52F50A45-5B82-8624-F923-0AFC7D229F1B}"/>
+              </a:ext>
+            </a:extLst>
+          </p:cNvPr>
+          <p:cNvSpPr txBox="1"/>
+          <p:nvPr/>
+        </p:nvSpPr>
+        <p:spPr>
+          <a:xfrm>
+            <a:off x="6762775" y="5707266"/>
+            <a:ext cx="780287" cy="430887"/>
+          </a:xfrm>
+          <a:prstGeom prst="rect">
+            <a:avLst/>
+          </a:prstGeom>
+          <a:noFill/>
+        </p:spPr>
+        <p:txBody>
+          <a:bodyPr wrap="square" rtlCol="0">
+            <a:spAutoFit/>
+          </a:bodyPr>
+          <a:lstStyle/>
+          <a:p>
+            <a:r>
+              <a:rPr lang="en-US" sz="1100" dirty="0"/>
+              <a:t>*5 years post-burn</a:t>
+            </a:r>
+          </a:p>
+        </p:txBody>
+      </p:sp>
+    </p:spTree>
+    <p:extLst>
+      <p:ext uri="{BB962C8B-B14F-4D97-AF65-F5344CB8AC3E}">
+        <p14:creationId xmlns:p14="http://schemas.microsoft.com/office/powerpoint/2010/main" val="2843270418"/>
+      </p:ext>
+    </p:extLst>
+  </p:cSld>
+  <p:clrMapOvr>
+    <a:masterClrMapping/>
+  </p:clrMapOvr>
+</p:sld>
+</file>
+
 <file path=ppt/theme/theme1.xml><?xml version="1.0" encoding="utf-8"?>
 <a:theme xmlns:a="http://schemas.openxmlformats.org/drawingml/2006/main" name="Office Theme">
   <a:themeElements>

--- a/Analysis/editingplots.pptx
+++ b/Analysis/editingplots.pptx
@@ -6,8 +6,10 @@
   </p:sldMasterIdLst>
   <p:sldIdLst>
     <p:sldId id="256" r:id="rId2"/>
-    <p:sldId id="257" r:id="rId3"/>
-    <p:sldId id="258" r:id="rId4"/>
+    <p:sldId id="259" r:id="rId3"/>
+    <p:sldId id="257" r:id="rId4"/>
+    <p:sldId id="258" r:id="rId5"/>
+    <p:sldId id="260" r:id="rId6"/>
   </p:sldIdLst>
   <p:sldSz cx="12192000" cy="6858000"/>
   <p:notesSz cx="6858000" cy="9144000"/>
@@ -117,13 +119,401 @@
 <file path=ppt/revisionInfo.xml><?xml version="1.0" encoding="utf-8"?>
 <p1510:revInfo xmlns:a="http://schemas.openxmlformats.org/drawingml/2006/main" xmlns:r="http://schemas.openxmlformats.org/officeDocument/2006/relationships" xmlns:p1510="http://schemas.microsoft.com/office/powerpoint/2015/10/main">
   <p1510:revLst>
-    <p1510:client id="{E58C2093-57B6-4021-8C3A-A0D9380A847A}" v="43" dt="2024-04-11T18:39:50.130"/>
+    <p1510:client id="{666C76E3-D8C2-44D9-A1EC-40B904E56988}" v="32" dt="2024-06-03T23:14:13.794"/>
   </p1510:revLst>
 </p1510:revInfo>
 </file>
 
 <file path=ppt/changesInfos/changesInfo1.xml><?xml version="1.0" encoding="utf-8"?>
 <pc:chgInfo xmlns:a="http://schemas.openxmlformats.org/drawingml/2006/main" xmlns:r="http://schemas.openxmlformats.org/officeDocument/2006/relationships" xmlns:ac="http://schemas.microsoft.com/office/drawing/2013/main/command" xmlns:pc="http://schemas.microsoft.com/office/powerpoint/2013/main/command">
+  <pc:docChgLst>
+    <pc:chgData name="Deegan, Eva S" userId="ae3b14c2-f29a-4e9c-95fa-aa21238c8fd4" providerId="ADAL" clId="{666C76E3-D8C2-44D9-A1EC-40B904E56988}"/>
+    <pc:docChg chg="undo redo custSel addSld modSld">
+      <pc:chgData name="Deegan, Eva S" userId="ae3b14c2-f29a-4e9c-95fa-aa21238c8fd4" providerId="ADAL" clId="{666C76E3-D8C2-44D9-A1EC-40B904E56988}" dt="2024-06-03T23:14:13.794" v="311" actId="14826"/>
+      <pc:docMkLst>
+        <pc:docMk/>
+      </pc:docMkLst>
+      <pc:sldChg chg="modSp mod">
+        <pc:chgData name="Deegan, Eva S" userId="ae3b14c2-f29a-4e9c-95fa-aa21238c8fd4" providerId="ADAL" clId="{666C76E3-D8C2-44D9-A1EC-40B904E56988}" dt="2024-05-28T21:29:33.442" v="81" actId="20577"/>
+        <pc:sldMkLst>
+          <pc:docMk/>
+          <pc:sldMk cId="2032535132" sldId="256"/>
+        </pc:sldMkLst>
+        <pc:spChg chg="mod">
+          <ac:chgData name="Deegan, Eva S" userId="ae3b14c2-f29a-4e9c-95fa-aa21238c8fd4" providerId="ADAL" clId="{666C76E3-D8C2-44D9-A1EC-40B904E56988}" dt="2024-05-28T21:28:49.267" v="61" actId="1076"/>
+          <ac:spMkLst>
+            <pc:docMk/>
+            <pc:sldMk cId="2032535132" sldId="256"/>
+            <ac:spMk id="6" creationId="{5E9386B5-CE4A-3AF6-47FD-D0A339EEE8F3}"/>
+          </ac:spMkLst>
+        </pc:spChg>
+        <pc:spChg chg="mod">
+          <ac:chgData name="Deegan, Eva S" userId="ae3b14c2-f29a-4e9c-95fa-aa21238c8fd4" providerId="ADAL" clId="{666C76E3-D8C2-44D9-A1EC-40B904E56988}" dt="2024-05-28T21:28:56.978" v="64" actId="20577"/>
+          <ac:spMkLst>
+            <pc:docMk/>
+            <pc:sldMk cId="2032535132" sldId="256"/>
+            <ac:spMk id="7" creationId="{ED204674-2FD9-6959-4DCB-402309405686}"/>
+          </ac:spMkLst>
+        </pc:spChg>
+        <pc:spChg chg="mod">
+          <ac:chgData name="Deegan, Eva S" userId="ae3b14c2-f29a-4e9c-95fa-aa21238c8fd4" providerId="ADAL" clId="{666C76E3-D8C2-44D9-A1EC-40B904E56988}" dt="2024-05-28T21:28:52.021" v="62" actId="20577"/>
+          <ac:spMkLst>
+            <pc:docMk/>
+            <pc:sldMk cId="2032535132" sldId="256"/>
+            <ac:spMk id="8" creationId="{90C8645B-A332-AA0A-D5C5-D21A7B363E15}"/>
+          </ac:spMkLst>
+        </pc:spChg>
+        <pc:spChg chg="mod">
+          <ac:chgData name="Deegan, Eva S" userId="ae3b14c2-f29a-4e9c-95fa-aa21238c8fd4" providerId="ADAL" clId="{666C76E3-D8C2-44D9-A1EC-40B904E56988}" dt="2024-05-28T21:29:05.898" v="66" actId="1076"/>
+          <ac:spMkLst>
+            <pc:docMk/>
+            <pc:sldMk cId="2032535132" sldId="256"/>
+            <ac:spMk id="9" creationId="{FD3F2261-52C4-BD3C-551D-E88A41C3BB1B}"/>
+          </ac:spMkLst>
+        </pc:spChg>
+        <pc:spChg chg="mod">
+          <ac:chgData name="Deegan, Eva S" userId="ae3b14c2-f29a-4e9c-95fa-aa21238c8fd4" providerId="ADAL" clId="{666C76E3-D8C2-44D9-A1EC-40B904E56988}" dt="2024-05-28T21:29:12.832" v="70" actId="20577"/>
+          <ac:spMkLst>
+            <pc:docMk/>
+            <pc:sldMk cId="2032535132" sldId="256"/>
+            <ac:spMk id="10" creationId="{DBFD65BF-4A15-3DA2-7F95-009C5D8A7A07}"/>
+          </ac:spMkLst>
+        </pc:spChg>
+        <pc:spChg chg="mod">
+          <ac:chgData name="Deegan, Eva S" userId="ae3b14c2-f29a-4e9c-95fa-aa21238c8fd4" providerId="ADAL" clId="{666C76E3-D8C2-44D9-A1EC-40B904E56988}" dt="2024-05-28T21:29:26.019" v="77" actId="20577"/>
+          <ac:spMkLst>
+            <pc:docMk/>
+            <pc:sldMk cId="2032535132" sldId="256"/>
+            <ac:spMk id="11" creationId="{BAC1DE5F-153C-EDFC-0347-49C7CEC56E21}"/>
+          </ac:spMkLst>
+        </pc:spChg>
+        <pc:spChg chg="mod">
+          <ac:chgData name="Deegan, Eva S" userId="ae3b14c2-f29a-4e9c-95fa-aa21238c8fd4" providerId="ADAL" clId="{666C76E3-D8C2-44D9-A1EC-40B904E56988}" dt="2024-05-28T21:29:30.418" v="79" actId="20577"/>
+          <ac:spMkLst>
+            <pc:docMk/>
+            <pc:sldMk cId="2032535132" sldId="256"/>
+            <ac:spMk id="12" creationId="{0DD16183-C41C-9377-C6B1-3F5CF58F0DC9}"/>
+          </ac:spMkLst>
+        </pc:spChg>
+        <pc:spChg chg="mod">
+          <ac:chgData name="Deegan, Eva S" userId="ae3b14c2-f29a-4e9c-95fa-aa21238c8fd4" providerId="ADAL" clId="{666C76E3-D8C2-44D9-A1EC-40B904E56988}" dt="2024-05-28T21:29:33.442" v="81" actId="20577"/>
+          <ac:spMkLst>
+            <pc:docMk/>
+            <pc:sldMk cId="2032535132" sldId="256"/>
+            <ac:spMk id="13" creationId="{87B6F6DD-14E3-DCB0-3D60-7FEE0A382A90}"/>
+          </ac:spMkLst>
+        </pc:spChg>
+        <pc:picChg chg="mod">
+          <ac:chgData name="Deegan, Eva S" userId="ae3b14c2-f29a-4e9c-95fa-aa21238c8fd4" providerId="ADAL" clId="{666C76E3-D8C2-44D9-A1EC-40B904E56988}" dt="2024-05-28T21:28:06.576" v="56" actId="14826"/>
+          <ac:picMkLst>
+            <pc:docMk/>
+            <pc:sldMk cId="2032535132" sldId="256"/>
+            <ac:picMk id="5" creationId="{2EA1C46E-AB32-DE0D-35DA-C68D40362590}"/>
+          </ac:picMkLst>
+        </pc:picChg>
+      </pc:sldChg>
+      <pc:sldChg chg="delSp modSp mod">
+        <pc:chgData name="Deegan, Eva S" userId="ae3b14c2-f29a-4e9c-95fa-aa21238c8fd4" providerId="ADAL" clId="{666C76E3-D8C2-44D9-A1EC-40B904E56988}" dt="2024-05-28T18:02:11.019" v="17" actId="1076"/>
+        <pc:sldMkLst>
+          <pc:docMk/>
+          <pc:sldMk cId="342745335" sldId="257"/>
+        </pc:sldMkLst>
+        <pc:spChg chg="mod">
+          <ac:chgData name="Deegan, Eva S" userId="ae3b14c2-f29a-4e9c-95fa-aa21238c8fd4" providerId="ADAL" clId="{666C76E3-D8C2-44D9-A1EC-40B904E56988}" dt="2024-05-28T17:58:53.068" v="7" actId="20577"/>
+          <ac:spMkLst>
+            <pc:docMk/>
+            <pc:sldMk cId="342745335" sldId="257"/>
+            <ac:spMk id="6" creationId="{4B4BAF50-9A65-EBD8-D980-34AB2F9295DD}"/>
+          </ac:spMkLst>
+        </pc:spChg>
+        <pc:spChg chg="mod">
+          <ac:chgData name="Deegan, Eva S" userId="ae3b14c2-f29a-4e9c-95fa-aa21238c8fd4" providerId="ADAL" clId="{666C76E3-D8C2-44D9-A1EC-40B904E56988}" dt="2024-05-28T18:02:07.530" v="16" actId="1076"/>
+          <ac:spMkLst>
+            <pc:docMk/>
+            <pc:sldMk cId="342745335" sldId="257"/>
+            <ac:spMk id="16" creationId="{49A9FDCD-E610-AF2D-BD35-9808F883D089}"/>
+          </ac:spMkLst>
+        </pc:spChg>
+        <pc:spChg chg="mod">
+          <ac:chgData name="Deegan, Eva S" userId="ae3b14c2-f29a-4e9c-95fa-aa21238c8fd4" providerId="ADAL" clId="{666C76E3-D8C2-44D9-A1EC-40B904E56988}" dt="2024-05-28T18:02:11.019" v="17" actId="1076"/>
+          <ac:spMkLst>
+            <pc:docMk/>
+            <pc:sldMk cId="342745335" sldId="257"/>
+            <ac:spMk id="17" creationId="{22A413F6-5F2F-1285-1955-26C0F36AB41B}"/>
+          </ac:spMkLst>
+        </pc:spChg>
+        <pc:picChg chg="mod modCrop">
+          <ac:chgData name="Deegan, Eva S" userId="ae3b14c2-f29a-4e9c-95fa-aa21238c8fd4" providerId="ADAL" clId="{666C76E3-D8C2-44D9-A1EC-40B904E56988}" dt="2024-05-28T18:01:39.305" v="10" actId="732"/>
+          <ac:picMkLst>
+            <pc:docMk/>
+            <pc:sldMk cId="342745335" sldId="257"/>
+            <ac:picMk id="3" creationId="{E5183A98-1FE4-4491-99B2-B6AFB6E47DF4}"/>
+          </ac:picMkLst>
+        </pc:picChg>
+        <pc:picChg chg="del mod">
+          <ac:chgData name="Deegan, Eva S" userId="ae3b14c2-f29a-4e9c-95fa-aa21238c8fd4" providerId="ADAL" clId="{666C76E3-D8C2-44D9-A1EC-40B904E56988}" dt="2024-05-28T18:01:42.267" v="11" actId="478"/>
+          <ac:picMkLst>
+            <pc:docMk/>
+            <pc:sldMk cId="342745335" sldId="257"/>
+            <ac:picMk id="15" creationId="{7646A4C5-60E3-3CE2-8539-A6164495BD32}"/>
+          </ac:picMkLst>
+        </pc:picChg>
+        <pc:cxnChg chg="mod">
+          <ac:chgData name="Deegan, Eva S" userId="ae3b14c2-f29a-4e9c-95fa-aa21238c8fd4" providerId="ADAL" clId="{666C76E3-D8C2-44D9-A1EC-40B904E56988}" dt="2024-05-28T18:01:59.122" v="13" actId="1076"/>
+          <ac:cxnSpMkLst>
+            <pc:docMk/>
+            <pc:sldMk cId="342745335" sldId="257"/>
+            <ac:cxnSpMk id="12" creationId="{5CE13AF4-6640-CCB0-9007-98AF3D72B520}"/>
+          </ac:cxnSpMkLst>
+        </pc:cxnChg>
+      </pc:sldChg>
+      <pc:sldChg chg="addSp delSp modSp mod">
+        <pc:chgData name="Deegan, Eva S" userId="ae3b14c2-f29a-4e9c-95fa-aa21238c8fd4" providerId="ADAL" clId="{666C76E3-D8C2-44D9-A1EC-40B904E56988}" dt="2024-05-28T21:28:00.829" v="55" actId="478"/>
+        <pc:sldMkLst>
+          <pc:docMk/>
+          <pc:sldMk cId="2843270418" sldId="258"/>
+        </pc:sldMkLst>
+        <pc:spChg chg="add mod">
+          <ac:chgData name="Deegan, Eva S" userId="ae3b14c2-f29a-4e9c-95fa-aa21238c8fd4" providerId="ADAL" clId="{666C76E3-D8C2-44D9-A1EC-40B904E56988}" dt="2024-05-28T21:27:59.823" v="54" actId="20577"/>
+          <ac:spMkLst>
+            <pc:docMk/>
+            <pc:sldMk cId="2843270418" sldId="258"/>
+            <ac:spMk id="2" creationId="{1C656928-1B28-D735-AFE9-A53AD95C5108}"/>
+          </ac:spMkLst>
+        </pc:spChg>
+        <pc:spChg chg="mod">
+          <ac:chgData name="Deegan, Eva S" userId="ae3b14c2-f29a-4e9c-95fa-aa21238c8fd4" providerId="ADAL" clId="{666C76E3-D8C2-44D9-A1EC-40B904E56988}" dt="2024-05-28T18:10:19.513" v="36" actId="1076"/>
+          <ac:spMkLst>
+            <pc:docMk/>
+            <pc:sldMk cId="2843270418" sldId="258"/>
+            <ac:spMk id="11" creationId="{E4C8FAF2-5299-EEC8-A32B-D28FBF429AC4}"/>
+          </ac:spMkLst>
+        </pc:spChg>
+        <pc:spChg chg="add del mod">
+          <ac:chgData name="Deegan, Eva S" userId="ae3b14c2-f29a-4e9c-95fa-aa21238c8fd4" providerId="ADAL" clId="{666C76E3-D8C2-44D9-A1EC-40B904E56988}" dt="2024-05-28T21:28:00.829" v="55" actId="478"/>
+          <ac:spMkLst>
+            <pc:docMk/>
+            <pc:sldMk cId="2843270418" sldId="258"/>
+            <ac:spMk id="12" creationId="{666044CE-4E27-A630-7AFE-C039FC4C4033}"/>
+          </ac:spMkLst>
+        </pc:spChg>
+        <pc:picChg chg="mod modCrop">
+          <ac:chgData name="Deegan, Eva S" userId="ae3b14c2-f29a-4e9c-95fa-aa21238c8fd4" providerId="ADAL" clId="{666C76E3-D8C2-44D9-A1EC-40B904E56988}" dt="2024-05-28T18:09:23.539" v="34" actId="732"/>
+          <ac:picMkLst>
+            <pc:docMk/>
+            <pc:sldMk cId="2843270418" sldId="258"/>
+            <ac:picMk id="3" creationId="{98595FB7-B7C4-95A4-72EE-8ACD4411653F}"/>
+          </ac:picMkLst>
+        </pc:picChg>
+        <pc:picChg chg="del mod">
+          <ac:chgData name="Deegan, Eva S" userId="ae3b14c2-f29a-4e9c-95fa-aa21238c8fd4" providerId="ADAL" clId="{666C76E3-D8C2-44D9-A1EC-40B904E56988}" dt="2024-05-28T18:08:49.832" v="28" actId="21"/>
+          <ac:picMkLst>
+            <pc:docMk/>
+            <pc:sldMk cId="2843270418" sldId="258"/>
+            <ac:picMk id="4" creationId="{3FE76828-6482-C5F7-9876-F1D66BAAB3CF}"/>
+          </ac:picMkLst>
+        </pc:picChg>
+        <pc:picChg chg="del">
+          <ac:chgData name="Deegan, Eva S" userId="ae3b14c2-f29a-4e9c-95fa-aa21238c8fd4" providerId="ADAL" clId="{666C76E3-D8C2-44D9-A1EC-40B904E56988}" dt="2024-05-28T18:09:17.418" v="33" actId="478"/>
+          <ac:picMkLst>
+            <pc:docMk/>
+            <pc:sldMk cId="2843270418" sldId="258"/>
+            <ac:picMk id="5" creationId="{7FF53BED-13E0-32E4-203C-3189A5A9BD5F}"/>
+          </ac:picMkLst>
+        </pc:picChg>
+        <pc:cxnChg chg="mod">
+          <ac:chgData name="Deegan, Eva S" userId="ae3b14c2-f29a-4e9c-95fa-aa21238c8fd4" providerId="ADAL" clId="{666C76E3-D8C2-44D9-A1EC-40B904E56988}" dt="2024-05-28T18:08:04.555" v="19" actId="1076"/>
+          <ac:cxnSpMkLst>
+            <pc:docMk/>
+            <pc:sldMk cId="2843270418" sldId="258"/>
+            <ac:cxnSpMk id="14" creationId="{E035A26F-9DCB-4201-8763-E95ABC72A2C4}"/>
+          </ac:cxnSpMkLst>
+        </pc:cxnChg>
+      </pc:sldChg>
+      <pc:sldChg chg="addSp modSp new mod">
+        <pc:chgData name="Deegan, Eva S" userId="ae3b14c2-f29a-4e9c-95fa-aa21238c8fd4" providerId="ADAL" clId="{666C76E3-D8C2-44D9-A1EC-40B904E56988}" dt="2024-06-03T23:14:13.794" v="311" actId="14826"/>
+        <pc:sldMkLst>
+          <pc:docMk/>
+          <pc:sldMk cId="2504186693" sldId="259"/>
+        </pc:sldMkLst>
+        <pc:spChg chg="add mod">
+          <ac:chgData name="Deegan, Eva S" userId="ae3b14c2-f29a-4e9c-95fa-aa21238c8fd4" providerId="ADAL" clId="{666C76E3-D8C2-44D9-A1EC-40B904E56988}" dt="2024-06-03T15:28:51.944" v="266" actId="1076"/>
+          <ac:spMkLst>
+            <pc:docMk/>
+            <pc:sldMk cId="2504186693" sldId="259"/>
+            <ac:spMk id="2" creationId="{8F04261D-3099-1428-27B9-F79D22C4AC0A}"/>
+          </ac:spMkLst>
+        </pc:spChg>
+        <pc:spChg chg="add mod">
+          <ac:chgData name="Deegan, Eva S" userId="ae3b14c2-f29a-4e9c-95fa-aa21238c8fd4" providerId="ADAL" clId="{666C76E3-D8C2-44D9-A1EC-40B904E56988}" dt="2024-06-03T15:21:08.452" v="200" actId="14100"/>
+          <ac:spMkLst>
+            <pc:docMk/>
+            <pc:sldMk cId="2504186693" sldId="259"/>
+            <ac:spMk id="4" creationId="{CB782BB5-2E9A-A212-F8ED-258330514FCF}"/>
+          </ac:spMkLst>
+        </pc:spChg>
+        <pc:spChg chg="add mod">
+          <ac:chgData name="Deegan, Eva S" userId="ae3b14c2-f29a-4e9c-95fa-aa21238c8fd4" providerId="ADAL" clId="{666C76E3-D8C2-44D9-A1EC-40B904E56988}" dt="2024-06-03T15:21:13.995" v="206" actId="14100"/>
+          <ac:spMkLst>
+            <pc:docMk/>
+            <pc:sldMk cId="2504186693" sldId="259"/>
+            <ac:spMk id="5" creationId="{F2EA02EC-4A10-2B7E-EB41-DC9A4C4A5A93}"/>
+          </ac:spMkLst>
+        </pc:spChg>
+        <pc:spChg chg="add mod">
+          <ac:chgData name="Deegan, Eva S" userId="ae3b14c2-f29a-4e9c-95fa-aa21238c8fd4" providerId="ADAL" clId="{666C76E3-D8C2-44D9-A1EC-40B904E56988}" dt="2024-06-03T15:21:17.275" v="211" actId="20577"/>
+          <ac:spMkLst>
+            <pc:docMk/>
+            <pc:sldMk cId="2504186693" sldId="259"/>
+            <ac:spMk id="6" creationId="{0079D1AC-8FDE-420B-937F-61B293C23321}"/>
+          </ac:spMkLst>
+        </pc:spChg>
+        <pc:spChg chg="add mod">
+          <ac:chgData name="Deegan, Eva S" userId="ae3b14c2-f29a-4e9c-95fa-aa21238c8fd4" providerId="ADAL" clId="{666C76E3-D8C2-44D9-A1EC-40B904E56988}" dt="2024-06-01T00:40:28.839" v="182" actId="14100"/>
+          <ac:spMkLst>
+            <pc:docMk/>
+            <pc:sldMk cId="2504186693" sldId="259"/>
+            <ac:spMk id="7" creationId="{F57DB22F-F4B5-70CE-4EE2-F9A6F36A2913}"/>
+          </ac:spMkLst>
+        </pc:spChg>
+        <pc:spChg chg="add mod">
+          <ac:chgData name="Deegan, Eva S" userId="ae3b14c2-f29a-4e9c-95fa-aa21238c8fd4" providerId="ADAL" clId="{666C76E3-D8C2-44D9-A1EC-40B904E56988}" dt="2024-06-01T00:40:44.294" v="190" actId="20577"/>
+          <ac:spMkLst>
+            <pc:docMk/>
+            <pc:sldMk cId="2504186693" sldId="259"/>
+            <ac:spMk id="8" creationId="{EEF12608-6ADF-9D63-2BE5-AC6B1945C202}"/>
+          </ac:spMkLst>
+        </pc:spChg>
+        <pc:spChg chg="add mod">
+          <ac:chgData name="Deegan, Eva S" userId="ae3b14c2-f29a-4e9c-95fa-aa21238c8fd4" providerId="ADAL" clId="{666C76E3-D8C2-44D9-A1EC-40B904E56988}" dt="2024-06-01T00:40:49.346" v="194" actId="20577"/>
+          <ac:spMkLst>
+            <pc:docMk/>
+            <pc:sldMk cId="2504186693" sldId="259"/>
+            <ac:spMk id="9" creationId="{C9D3CE3E-B316-D077-2A62-CC64C23BB9C7}"/>
+          </ac:spMkLst>
+        </pc:spChg>
+        <pc:spChg chg="add mod">
+          <ac:chgData name="Deegan, Eva S" userId="ae3b14c2-f29a-4e9c-95fa-aa21238c8fd4" providerId="ADAL" clId="{666C76E3-D8C2-44D9-A1EC-40B904E56988}" dt="2024-06-03T15:28:37.032" v="264" actId="1076"/>
+          <ac:spMkLst>
+            <pc:docMk/>
+            <pc:sldMk cId="2504186693" sldId="259"/>
+            <ac:spMk id="10" creationId="{809DB1F7-60C0-11AE-24C2-A88ECF580F33}"/>
+          </ac:spMkLst>
+        </pc:spChg>
+        <pc:picChg chg="add mod">
+          <ac:chgData name="Deegan, Eva S" userId="ae3b14c2-f29a-4e9c-95fa-aa21238c8fd4" providerId="ADAL" clId="{666C76E3-D8C2-44D9-A1EC-40B904E56988}" dt="2024-06-03T23:14:13.794" v="311" actId="14826"/>
+          <ac:picMkLst>
+            <pc:docMk/>
+            <pc:sldMk cId="2504186693" sldId="259"/>
+            <ac:picMk id="3" creationId="{000AF0C2-F99F-6C9B-8A9D-9712FCA2AD76}"/>
+          </ac:picMkLst>
+        </pc:picChg>
+      </pc:sldChg>
+      <pc:sldChg chg="addSp delSp modSp new mod">
+        <pc:chgData name="Deegan, Eva S" userId="ae3b14c2-f29a-4e9c-95fa-aa21238c8fd4" providerId="ADAL" clId="{666C76E3-D8C2-44D9-A1EC-40B904E56988}" dt="2024-06-03T15:44:19.975" v="310" actId="1076"/>
+        <pc:sldMkLst>
+          <pc:docMk/>
+          <pc:sldMk cId="2025848825" sldId="260"/>
+        </pc:sldMkLst>
+        <pc:spChg chg="add mod">
+          <ac:chgData name="Deegan, Eva S" userId="ae3b14c2-f29a-4e9c-95fa-aa21238c8fd4" providerId="ADAL" clId="{666C76E3-D8C2-44D9-A1EC-40B904E56988}" dt="2024-06-03T15:42:12.016" v="282" actId="1582"/>
+          <ac:spMkLst>
+            <pc:docMk/>
+            <pc:sldMk cId="2025848825" sldId="260"/>
+            <ac:spMk id="3" creationId="{815C6C22-36E6-B3A4-6C3E-063EB274CDD8}"/>
+          </ac:spMkLst>
+        </pc:spChg>
+        <pc:spChg chg="add mod">
+          <ac:chgData name="Deegan, Eva S" userId="ae3b14c2-f29a-4e9c-95fa-aa21238c8fd4" providerId="ADAL" clId="{666C76E3-D8C2-44D9-A1EC-40B904E56988}" dt="2024-06-03T15:42:17.392" v="284" actId="1076"/>
+          <ac:spMkLst>
+            <pc:docMk/>
+            <pc:sldMk cId="2025848825" sldId="260"/>
+            <ac:spMk id="4" creationId="{4A873F48-BA6C-99C0-85E3-AB051F4294F8}"/>
+          </ac:spMkLst>
+        </pc:spChg>
+        <pc:spChg chg="add mod">
+          <ac:chgData name="Deegan, Eva S" userId="ae3b14c2-f29a-4e9c-95fa-aa21238c8fd4" providerId="ADAL" clId="{666C76E3-D8C2-44D9-A1EC-40B904E56988}" dt="2024-06-03T15:42:22.550" v="286" actId="1076"/>
+          <ac:spMkLst>
+            <pc:docMk/>
+            <pc:sldMk cId="2025848825" sldId="260"/>
+            <ac:spMk id="5" creationId="{F76E24C8-33C5-082C-84C4-33DEF02EE571}"/>
+          </ac:spMkLst>
+        </pc:spChg>
+        <pc:spChg chg="add mod">
+          <ac:chgData name="Deegan, Eva S" userId="ae3b14c2-f29a-4e9c-95fa-aa21238c8fd4" providerId="ADAL" clId="{666C76E3-D8C2-44D9-A1EC-40B904E56988}" dt="2024-06-03T15:42:35.741" v="288" actId="1076"/>
+          <ac:spMkLst>
+            <pc:docMk/>
+            <pc:sldMk cId="2025848825" sldId="260"/>
+            <ac:spMk id="6" creationId="{6876A99A-8358-057F-7DBC-C843600D54DD}"/>
+          </ac:spMkLst>
+        </pc:spChg>
+        <pc:spChg chg="add mod">
+          <ac:chgData name="Deegan, Eva S" userId="ae3b14c2-f29a-4e9c-95fa-aa21238c8fd4" providerId="ADAL" clId="{666C76E3-D8C2-44D9-A1EC-40B904E56988}" dt="2024-06-03T15:42:54.998" v="293" actId="208"/>
+          <ac:spMkLst>
+            <pc:docMk/>
+            <pc:sldMk cId="2025848825" sldId="260"/>
+            <ac:spMk id="7" creationId="{2E4521ED-7613-83FE-1587-6AF9BB6CD800}"/>
+          </ac:spMkLst>
+        </pc:spChg>
+        <pc:spChg chg="add del mod">
+          <ac:chgData name="Deegan, Eva S" userId="ae3b14c2-f29a-4e9c-95fa-aa21238c8fd4" providerId="ADAL" clId="{666C76E3-D8C2-44D9-A1EC-40B904E56988}" dt="2024-06-03T15:42:59.264" v="295"/>
+          <ac:spMkLst>
+            <pc:docMk/>
+            <pc:sldMk cId="2025848825" sldId="260"/>
+            <ac:spMk id="8" creationId="{5900538F-6070-707D-C902-7671FFD13EE8}"/>
+          </ac:spMkLst>
+        </pc:spChg>
+        <pc:spChg chg="add mod">
+          <ac:chgData name="Deegan, Eva S" userId="ae3b14c2-f29a-4e9c-95fa-aa21238c8fd4" providerId="ADAL" clId="{666C76E3-D8C2-44D9-A1EC-40B904E56988}" dt="2024-06-03T15:43:04.940" v="297" actId="1076"/>
+          <ac:spMkLst>
+            <pc:docMk/>
+            <pc:sldMk cId="2025848825" sldId="260"/>
+            <ac:spMk id="9" creationId="{F0D9B221-8D33-E918-1944-B34CB89384C4}"/>
+          </ac:spMkLst>
+        </pc:spChg>
+        <pc:spChg chg="add mod">
+          <ac:chgData name="Deegan, Eva S" userId="ae3b14c2-f29a-4e9c-95fa-aa21238c8fd4" providerId="ADAL" clId="{666C76E3-D8C2-44D9-A1EC-40B904E56988}" dt="2024-06-03T15:43:18.605" v="299" actId="1076"/>
+          <ac:spMkLst>
+            <pc:docMk/>
+            <pc:sldMk cId="2025848825" sldId="260"/>
+            <ac:spMk id="10" creationId="{BAF4C88B-91EE-9CFD-5082-60B47242C0AE}"/>
+          </ac:spMkLst>
+        </pc:spChg>
+        <pc:spChg chg="add mod">
+          <ac:chgData name="Deegan, Eva S" userId="ae3b14c2-f29a-4e9c-95fa-aa21238c8fd4" providerId="ADAL" clId="{666C76E3-D8C2-44D9-A1EC-40B904E56988}" dt="2024-06-03T15:43:22.582" v="301" actId="1076"/>
+          <ac:spMkLst>
+            <pc:docMk/>
+            <pc:sldMk cId="2025848825" sldId="260"/>
+            <ac:spMk id="11" creationId="{24D865B5-A682-1A78-9733-E12B8444DD87}"/>
+          </ac:spMkLst>
+        </pc:spChg>
+        <pc:spChg chg="add mod">
+          <ac:chgData name="Deegan, Eva S" userId="ae3b14c2-f29a-4e9c-95fa-aa21238c8fd4" providerId="ADAL" clId="{666C76E3-D8C2-44D9-A1EC-40B904E56988}" dt="2024-06-03T15:43:59.314" v="304" actId="1076"/>
+          <ac:spMkLst>
+            <pc:docMk/>
+            <pc:sldMk cId="2025848825" sldId="260"/>
+            <ac:spMk id="12" creationId="{CEF6A357-87E9-2389-85AD-63B32C8EF486}"/>
+          </ac:spMkLst>
+        </pc:spChg>
+        <pc:spChg chg="add mod">
+          <ac:chgData name="Deegan, Eva S" userId="ae3b14c2-f29a-4e9c-95fa-aa21238c8fd4" providerId="ADAL" clId="{666C76E3-D8C2-44D9-A1EC-40B904E56988}" dt="2024-06-03T15:44:19.975" v="310" actId="1076"/>
+          <ac:spMkLst>
+            <pc:docMk/>
+            <pc:sldMk cId="2025848825" sldId="260"/>
+            <ac:spMk id="13" creationId="{7060AC70-641E-918D-657D-5952CDBF1016}"/>
+          </ac:spMkLst>
+        </pc:spChg>
+        <pc:picChg chg="add mod">
+          <ac:chgData name="Deegan, Eva S" userId="ae3b14c2-f29a-4e9c-95fa-aa21238c8fd4" providerId="ADAL" clId="{666C76E3-D8C2-44D9-A1EC-40B904E56988}" dt="2024-06-03T15:44:15.515" v="309" actId="1076"/>
+          <ac:picMkLst>
+            <pc:docMk/>
+            <pc:sldMk cId="2025848825" sldId="260"/>
+            <ac:picMk id="2" creationId="{80282F93-E17E-5C0A-C8BE-10B7588A8403}"/>
+          </ac:picMkLst>
+        </pc:picChg>
+      </pc:sldChg>
+    </pc:docChg>
+  </pc:docChgLst>
   <pc:docChgLst>
     <pc:chgData name="Deegan, Eva S" userId="ae3b14c2-f29a-4e9c-95fa-aa21238c8fd4" providerId="ADAL" clId="{E58C2093-57B6-4021-8C3A-A0D9380A847A}"/>
     <pc:docChg chg="undo custSel addSld modSld">
@@ -608,7 +998,7 @@
           <a:p>
             <a:fld id="{F70EA678-BCEF-4C66-9D01-277C4F939508}" type="datetimeFigureOut">
               <a:rPr lang="en-US" smtClean="0"/>
-              <a:t>4/11/2024</a:t>
+              <a:t>6/3/2024</a:t>
             </a:fld>
             <a:endParaRPr lang="en-US" dirty="0"/>
           </a:p>
@@ -806,7 +1196,7 @@
           <a:p>
             <a:fld id="{F70EA678-BCEF-4C66-9D01-277C4F939508}" type="datetimeFigureOut">
               <a:rPr lang="en-US" smtClean="0"/>
-              <a:t>4/11/2024</a:t>
+              <a:t>6/3/2024</a:t>
             </a:fld>
             <a:endParaRPr lang="en-US" dirty="0"/>
           </a:p>
@@ -1014,7 +1404,7 @@
           <a:p>
             <a:fld id="{F70EA678-BCEF-4C66-9D01-277C4F939508}" type="datetimeFigureOut">
               <a:rPr lang="en-US" smtClean="0"/>
-              <a:t>4/11/2024</a:t>
+              <a:t>6/3/2024</a:t>
             </a:fld>
             <a:endParaRPr lang="en-US" dirty="0"/>
           </a:p>
@@ -1212,7 +1602,7 @@
           <a:p>
             <a:fld id="{F70EA678-BCEF-4C66-9D01-277C4F939508}" type="datetimeFigureOut">
               <a:rPr lang="en-US" smtClean="0"/>
-              <a:t>4/11/2024</a:t>
+              <a:t>6/3/2024</a:t>
             </a:fld>
             <a:endParaRPr lang="en-US" dirty="0"/>
           </a:p>
@@ -1487,7 +1877,7 @@
           <a:p>
             <a:fld id="{F70EA678-BCEF-4C66-9D01-277C4F939508}" type="datetimeFigureOut">
               <a:rPr lang="en-US" smtClean="0"/>
-              <a:t>4/11/2024</a:t>
+              <a:t>6/3/2024</a:t>
             </a:fld>
             <a:endParaRPr lang="en-US" dirty="0"/>
           </a:p>
@@ -1752,7 +2142,7 @@
           <a:p>
             <a:fld id="{F70EA678-BCEF-4C66-9D01-277C4F939508}" type="datetimeFigureOut">
               <a:rPr lang="en-US" smtClean="0"/>
-              <a:t>4/11/2024</a:t>
+              <a:t>6/3/2024</a:t>
             </a:fld>
             <a:endParaRPr lang="en-US" dirty="0"/>
           </a:p>
@@ -2164,7 +2554,7 @@
           <a:p>
             <a:fld id="{F70EA678-BCEF-4C66-9D01-277C4F939508}" type="datetimeFigureOut">
               <a:rPr lang="en-US" smtClean="0"/>
-              <a:t>4/11/2024</a:t>
+              <a:t>6/3/2024</a:t>
             </a:fld>
             <a:endParaRPr lang="en-US" dirty="0"/>
           </a:p>
@@ -2305,7 +2695,7 @@
           <a:p>
             <a:fld id="{F70EA678-BCEF-4C66-9D01-277C4F939508}" type="datetimeFigureOut">
               <a:rPr lang="en-US" smtClean="0"/>
-              <a:t>4/11/2024</a:t>
+              <a:t>6/3/2024</a:t>
             </a:fld>
             <a:endParaRPr lang="en-US" dirty="0"/>
           </a:p>
@@ -2418,7 +2808,7 @@
           <a:p>
             <a:fld id="{F70EA678-BCEF-4C66-9D01-277C4F939508}" type="datetimeFigureOut">
               <a:rPr lang="en-US" smtClean="0"/>
-              <a:t>4/11/2024</a:t>
+              <a:t>6/3/2024</a:t>
             </a:fld>
             <a:endParaRPr lang="en-US" dirty="0"/>
           </a:p>
@@ -2729,7 +3119,7 @@
           <a:p>
             <a:fld id="{F70EA678-BCEF-4C66-9D01-277C4F939508}" type="datetimeFigureOut">
               <a:rPr lang="en-US" smtClean="0"/>
-              <a:t>4/11/2024</a:t>
+              <a:t>6/3/2024</a:t>
             </a:fld>
             <a:endParaRPr lang="en-US" dirty="0"/>
           </a:p>
@@ -3017,7 +3407,7 @@
           <a:p>
             <a:fld id="{F70EA678-BCEF-4C66-9D01-277C4F939508}" type="datetimeFigureOut">
               <a:rPr lang="en-US" smtClean="0"/>
-              <a:t>4/11/2024</a:t>
+              <a:t>6/3/2024</a:t>
             </a:fld>
             <a:endParaRPr lang="en-US" dirty="0"/>
           </a:p>
@@ -3258,7 +3648,7 @@
           <a:p>
             <a:fld id="{F70EA678-BCEF-4C66-9D01-277C4F939508}" type="datetimeFigureOut">
               <a:rPr lang="en-US" smtClean="0"/>
-              <a:t>4/11/2024</a:t>
+              <a:t>6/3/2024</a:t>
             </a:fld>
             <a:endParaRPr lang="en-US" dirty="0"/>
           </a:p>
@@ -3703,7 +4093,7 @@
         <p:spPr>
           <a:xfrm>
             <a:off x="292608" y="1069848"/>
-            <a:ext cx="11606782" cy="4974336"/>
+            <a:ext cx="11606782" cy="4974335"/>
           </a:xfrm>
           <a:prstGeom prst="rect">
             <a:avLst/>
@@ -3724,7 +4114,7 @@
         </p:nvSpPr>
         <p:spPr>
           <a:xfrm>
-            <a:off x="1591056" y="1106424"/>
+            <a:off x="1591056" y="1487948"/>
             <a:ext cx="713232" cy="369332"/>
           </a:xfrm>
           <a:prstGeom prst="rect">
@@ -3740,7 +4130,7 @@
           <a:p>
             <a:r>
               <a:rPr lang="en-US" dirty="0"/>
-              <a:t>bc</a:t>
+              <a:t>ab</a:t>
             </a:r>
           </a:p>
         </p:txBody>
@@ -3775,7 +4165,7 @@
           <a:p>
             <a:r>
               <a:rPr lang="en-US" dirty="0"/>
-              <a:t>b</a:t>
+              <a:t>a</a:t>
             </a:r>
           </a:p>
         </p:txBody>
@@ -3810,7 +4200,7 @@
           <a:p>
             <a:r>
               <a:rPr lang="en-US" dirty="0"/>
-              <a:t>abc</a:t>
+              <a:t>ab</a:t>
             </a:r>
           </a:p>
         </p:txBody>
@@ -3829,7 +4219,7 @@
         </p:nvSpPr>
         <p:spPr>
           <a:xfrm>
-            <a:off x="4119372" y="2667000"/>
+            <a:off x="4146804" y="2667000"/>
             <a:ext cx="708660" cy="369332"/>
           </a:xfrm>
           <a:prstGeom prst="rect">
@@ -3844,9 +4234,10 @@
           <a:lstStyle/>
           <a:p>
             <a:r>
-              <a:rPr lang="en-US" dirty="0"/>
-              <a:t>abcd</a:t>
-            </a:r>
+              <a:rPr lang="en-US" dirty="0" err="1"/>
+              <a:t>abc</a:t>
+            </a:r>
+            <a:endParaRPr lang="en-US" dirty="0"/>
           </a:p>
         </p:txBody>
       </p:sp>
@@ -3879,9 +4270,10 @@
           <a:lstStyle/>
           <a:p>
             <a:r>
-              <a:rPr lang="en-US" dirty="0"/>
-              <a:t>acd</a:t>
-            </a:r>
+              <a:rPr lang="en-US" dirty="0" err="1"/>
+              <a:t>abc</a:t>
+            </a:r>
+            <a:endParaRPr lang="en-US" dirty="0"/>
           </a:p>
         </p:txBody>
       </p:sp>
@@ -3899,7 +4291,7 @@
         </p:nvSpPr>
         <p:spPr>
           <a:xfrm>
-            <a:off x="5975604" y="2667000"/>
+            <a:off x="5975604" y="3316224"/>
             <a:ext cx="441960" cy="369332"/>
           </a:xfrm>
           <a:prstGeom prst="rect">
@@ -3914,9 +4306,10 @@
           <a:lstStyle/>
           <a:p>
             <a:r>
-              <a:rPr lang="en-US" dirty="0"/>
-              <a:t>ad</a:t>
-            </a:r>
+              <a:rPr lang="en-US" dirty="0" err="1"/>
+              <a:t>bc</a:t>
+            </a:r>
+            <a:endParaRPr lang="en-US" dirty="0"/>
           </a:p>
         </p:txBody>
       </p:sp>
@@ -3950,7 +4343,7 @@
           <a:p>
             <a:r>
               <a:rPr lang="en-US" dirty="0"/>
-              <a:t>d</a:t>
+              <a:t>c</a:t>
             </a:r>
           </a:p>
         </p:txBody>
@@ -3985,7 +4378,7 @@
           <a:p>
             <a:r>
               <a:rPr lang="en-US" dirty="0"/>
-              <a:t>d</a:t>
+              <a:t>c</a:t>
             </a:r>
           </a:p>
         </p:txBody>
@@ -4022,10 +4415,10 @@
       </p:grpSpPr>
       <p:pic>
         <p:nvPicPr>
-          <p:cNvPr id="15" name="Picture 14">
-            <a:extLst>
-              <a:ext uri="{FF2B5EF4-FFF2-40B4-BE49-F238E27FC236}">
-                <a16:creationId xmlns:a16="http://schemas.microsoft.com/office/drawing/2014/main" id="{7646A4C5-60E3-3CE2-8539-A6164495BD32}"/>
+          <p:cNvPr id="3" name="Picture 2">
+            <a:extLst>
+              <a:ext uri="{FF2B5EF4-FFF2-40B4-BE49-F238E27FC236}">
+                <a16:creationId xmlns:a16="http://schemas.microsoft.com/office/drawing/2014/main" id="{000AF0C2-F99F-6C9B-8A9D-9712FCA2AD76}"/>
               </a:ext>
             </a:extLst>
           </p:cNvPr>
@@ -4034,7 +4427,7 @@
           </p:cNvPicPr>
           <p:nvPr/>
         </p:nvPicPr>
-        <p:blipFill rotWithShape="1">
+        <p:blipFill>
           <a:blip r:embed="rId2">
             <a:extLst>
               <a:ext uri="{28A0092B-C50C-407E-A947-70E740481C1C}">
@@ -4042,95 +4435,25 @@
               </a:ext>
             </a:extLst>
           </a:blip>
-          <a:srcRect l="90532" t="3148" r="-1626" b="10296"/>
+          <a:srcRect/>
           <a:stretch/>
         </p:blipFill>
         <p:spPr>
           <a:xfrm>
-            <a:off x="9208009" y="546853"/>
-            <a:ext cx="911349" cy="5332738"/>
+            <a:off x="1518747" y="377498"/>
+            <a:ext cx="9154506" cy="6103004"/>
           </a:xfrm>
           <a:prstGeom prst="rect">
             <a:avLst/>
           </a:prstGeom>
         </p:spPr>
       </p:pic>
-      <p:pic>
-        <p:nvPicPr>
-          <p:cNvPr id="14" name="Picture 13">
-            <a:extLst>
-              <a:ext uri="{FF2B5EF4-FFF2-40B4-BE49-F238E27FC236}">
-                <a16:creationId xmlns:a16="http://schemas.microsoft.com/office/drawing/2014/main" id="{79DF00AC-798B-DA58-3501-283A44C603DA}"/>
-              </a:ext>
-            </a:extLst>
-          </p:cNvPr>
-          <p:cNvPicPr>
-            <a:picLocks noChangeAspect="1"/>
-          </p:cNvPicPr>
-          <p:nvPr/>
-        </p:nvPicPr>
-        <p:blipFill rotWithShape="1">
-          <a:blip r:embed="rId2">
-            <a:extLst>
-              <a:ext uri="{28A0092B-C50C-407E-A947-70E740481C1C}">
-                <a14:useLocalDpi xmlns:a14="http://schemas.microsoft.com/office/drawing/2010/main" val="0"/>
-              </a:ext>
-            </a:extLst>
-          </a:blip>
-          <a:srcRect l="-906" r="89812"/>
-          <a:stretch/>
-        </p:blipFill>
-        <p:spPr>
-          <a:xfrm>
-            <a:off x="2377253" y="348473"/>
-            <a:ext cx="911349" cy="6161053"/>
-          </a:xfrm>
-          <a:prstGeom prst="rect">
-            <a:avLst/>
-          </a:prstGeom>
-        </p:spPr>
-      </p:pic>
-      <p:pic>
-        <p:nvPicPr>
-          <p:cNvPr id="3" name="Picture 2">
-            <a:extLst>
-              <a:ext uri="{FF2B5EF4-FFF2-40B4-BE49-F238E27FC236}">
-                <a16:creationId xmlns:a16="http://schemas.microsoft.com/office/drawing/2014/main" id="{E5183A98-1FE4-4491-99B2-B6AFB6E47DF4}"/>
-              </a:ext>
-            </a:extLst>
-          </p:cNvPr>
-          <p:cNvPicPr>
-            <a:picLocks noChangeAspect="1"/>
-          </p:cNvPicPr>
-          <p:nvPr/>
-        </p:nvPicPr>
-        <p:blipFill rotWithShape="1">
-          <a:blip r:embed="rId2">
-            <a:extLst>
-              <a:ext uri="{28A0092B-C50C-407E-A947-70E740481C1C}">
-                <a14:useLocalDpi xmlns:a14="http://schemas.microsoft.com/office/drawing/2010/main" val="0"/>
-              </a:ext>
-            </a:extLst>
-          </a:blip>
-          <a:srcRect l="11857" r="12117"/>
-          <a:stretch/>
-        </p:blipFill>
-        <p:spPr>
-          <a:xfrm>
-            <a:off x="2962657" y="348473"/>
-            <a:ext cx="6245352" cy="6161053"/>
-          </a:xfrm>
-          <a:prstGeom prst="rect">
-            <a:avLst/>
-          </a:prstGeom>
-        </p:spPr>
-      </p:pic>
       <p:sp>
         <p:nvSpPr>
           <p:cNvPr id="4" name="TextBox 3">
             <a:extLst>
               <a:ext uri="{FF2B5EF4-FFF2-40B4-BE49-F238E27FC236}">
-                <a16:creationId xmlns:a16="http://schemas.microsoft.com/office/drawing/2014/main" id="{3329508D-306F-FED8-4AA0-BBC25E6D7F28}"/>
+                <a16:creationId xmlns:a16="http://schemas.microsoft.com/office/drawing/2014/main" id="{CB782BB5-2E9A-A212-F8ED-258330514FCF}"/>
               </a:ext>
             </a:extLst>
           </p:cNvPr>
@@ -4139,8 +4462,8 @@
         </p:nvSpPr>
         <p:spPr>
           <a:xfrm>
-            <a:off x="3145441" y="618220"/>
-            <a:ext cx="1014984" cy="307777"/>
+            <a:off x="2270234" y="220990"/>
+            <a:ext cx="1948353" cy="276999"/>
           </a:xfrm>
           <a:prstGeom prst="rect">
             <a:avLst/>
@@ -4154,8 +4477,8 @@
           <a:lstStyle/>
           <a:p>
             <a:r>
-              <a:rPr lang="en-US" sz="1400" dirty="0"/>
-              <a:t>Pre-Fire</a:t>
+              <a:rPr lang="en-US" sz="1200" dirty="0"/>
+              <a:t>Live Pole Trees (&lt;15.1 DBH)</a:t>
             </a:r>
           </a:p>
         </p:txBody>
@@ -4165,7 +4488,7 @@
           <p:cNvPr id="5" name="TextBox 4">
             <a:extLst>
               <a:ext uri="{FF2B5EF4-FFF2-40B4-BE49-F238E27FC236}">
-                <a16:creationId xmlns:a16="http://schemas.microsoft.com/office/drawing/2014/main" id="{51FAC376-B3E3-CE58-81F1-FEBDB7B6B1E8}"/>
+                <a16:creationId xmlns:a16="http://schemas.microsoft.com/office/drawing/2014/main" id="{F2EA02EC-4A10-2B7E-EB41-DC9A4C4A5A93}"/>
               </a:ext>
             </a:extLst>
           </p:cNvPr>
@@ -4174,8 +4497,8 @@
         </p:nvSpPr>
         <p:spPr>
           <a:xfrm>
-            <a:off x="6557772" y="618220"/>
-            <a:ext cx="1014984" cy="307777"/>
+            <a:off x="5161892" y="220990"/>
+            <a:ext cx="2362857" cy="276999"/>
           </a:xfrm>
           <a:prstGeom prst="rect">
             <a:avLst/>
@@ -4189,8 +4512,8 @@
           <a:lstStyle/>
           <a:p>
             <a:r>
-              <a:rPr lang="en-US" sz="1400" dirty="0"/>
-              <a:t>Post-Fire</a:t>
+              <a:rPr lang="en-US" sz="1200" dirty="0"/>
+              <a:t>Live Medium Trees (15.1-30 DBH)</a:t>
             </a:r>
           </a:p>
         </p:txBody>
@@ -4200,7 +4523,7 @@
           <p:cNvPr id="6" name="TextBox 5">
             <a:extLst>
               <a:ext uri="{FF2B5EF4-FFF2-40B4-BE49-F238E27FC236}">
-                <a16:creationId xmlns:a16="http://schemas.microsoft.com/office/drawing/2014/main" id="{4B4BAF50-9A65-EBD8-D980-34AB2F9295DD}"/>
+                <a16:creationId xmlns:a16="http://schemas.microsoft.com/office/drawing/2014/main" id="{0079D1AC-8FDE-420B-937F-61B293C23321}"/>
               </a:ext>
             </a:extLst>
           </p:cNvPr>
@@ -4209,8 +4532,8 @@
         </p:nvSpPr>
         <p:spPr>
           <a:xfrm>
-            <a:off x="4596385" y="3504603"/>
-            <a:ext cx="877824" cy="307777"/>
+            <a:off x="8250623" y="223232"/>
+            <a:ext cx="2145424" cy="276999"/>
           </a:xfrm>
           <a:prstGeom prst="rect">
             <a:avLst/>
@@ -4224,12 +4547,8 @@
           <a:lstStyle/>
           <a:p>
             <a:r>
-              <a:rPr lang="en-US" sz="1400" dirty="0">
-                <a:solidFill>
-                  <a:srgbClr val="FF0000"/>
-                </a:solidFill>
-              </a:rPr>
-              <a:t>- 14.7%</a:t>
+              <a:rPr lang="en-US" sz="1200" dirty="0"/>
+              <a:t>Live Overstory Trees (&gt;30 DBH)</a:t>
             </a:r>
           </a:p>
         </p:txBody>
@@ -4239,7 +4558,7 @@
           <p:cNvPr id="7" name="TextBox 6">
             <a:extLst>
               <a:ext uri="{FF2B5EF4-FFF2-40B4-BE49-F238E27FC236}">
-                <a16:creationId xmlns:a16="http://schemas.microsoft.com/office/drawing/2014/main" id="{5A3554D5-328E-8E2D-95FA-34B66B4A7190}"/>
+                <a16:creationId xmlns:a16="http://schemas.microsoft.com/office/drawing/2014/main" id="{F57DB22F-F4B5-70CE-4EE2-F9A6F36A2913}"/>
               </a:ext>
             </a:extLst>
           </p:cNvPr>
@@ -4248,8 +4567,8 @@
         </p:nvSpPr>
         <p:spPr>
           <a:xfrm>
-            <a:off x="5522788" y="4485369"/>
-            <a:ext cx="877824" cy="307777"/>
+            <a:off x="960382" y="1319321"/>
+            <a:ext cx="558363" cy="276999"/>
           </a:xfrm>
           <a:prstGeom prst="rect">
             <a:avLst/>
@@ -4263,22 +4582,18 @@
           <a:lstStyle/>
           <a:p>
             <a:r>
-              <a:rPr lang="en-US" sz="1400" dirty="0">
-                <a:solidFill>
-                  <a:srgbClr val="FF0000"/>
-                </a:solidFill>
-              </a:rPr>
-              <a:t>- 47.2%</a:t>
-            </a:r>
-          </a:p>
-        </p:txBody>
-      </p:sp>
-      <p:sp>
-        <p:nvSpPr>
-          <p:cNvPr id="10" name="TextBox 9">
-            <a:extLst>
-              <a:ext uri="{FF2B5EF4-FFF2-40B4-BE49-F238E27FC236}">
-                <a16:creationId xmlns:a16="http://schemas.microsoft.com/office/drawing/2014/main" id="{08E5834A-762C-C97E-6C17-126C4BD7BA1A}"/>
+              <a:rPr lang="en-US" sz="1200" dirty="0"/>
+              <a:t>2001</a:t>
+            </a:r>
+          </a:p>
+        </p:txBody>
+      </p:sp>
+      <p:sp>
+        <p:nvSpPr>
+          <p:cNvPr id="8" name="TextBox 7">
+            <a:extLst>
+              <a:ext uri="{FF2B5EF4-FFF2-40B4-BE49-F238E27FC236}">
+                <a16:creationId xmlns:a16="http://schemas.microsoft.com/office/drawing/2014/main" id="{EEF12608-6ADF-9D63-2BE5-AC6B1945C202}"/>
               </a:ext>
             </a:extLst>
           </p:cNvPr>
@@ -4287,8 +4602,8 @@
         </p:nvSpPr>
         <p:spPr>
           <a:xfrm>
-            <a:off x="8464484" y="4863082"/>
-            <a:ext cx="877824" cy="307777"/>
+            <a:off x="960382" y="3199192"/>
+            <a:ext cx="558363" cy="276999"/>
           </a:xfrm>
           <a:prstGeom prst="rect">
             <a:avLst/>
@@ -4302,60 +4617,18 @@
           <a:lstStyle/>
           <a:p>
             <a:r>
-              <a:rPr lang="en-US" sz="1400" dirty="0">
-                <a:solidFill>
-                  <a:srgbClr val="FF0000"/>
-                </a:solidFill>
-              </a:rPr>
-              <a:t>- 59%</a:t>
-            </a:r>
-          </a:p>
-        </p:txBody>
-      </p:sp>
-      <p:cxnSp>
-        <p:nvCxnSpPr>
-          <p:cNvPr id="12" name="Straight Connector 11">
-            <a:extLst>
-              <a:ext uri="{FF2B5EF4-FFF2-40B4-BE49-F238E27FC236}">
-                <a16:creationId xmlns:a16="http://schemas.microsoft.com/office/drawing/2014/main" id="{5CE13AF4-6640-CCB0-9007-98AF3D72B520}"/>
-              </a:ext>
-            </a:extLst>
-          </p:cNvPr>
-          <p:cNvCxnSpPr>
-            <a:stCxn id="3" idx="0"/>
-          </p:cNvCxnSpPr>
-          <p:nvPr/>
-        </p:nvCxnSpPr>
-        <p:spPr>
-          <a:xfrm>
-            <a:off x="6085333" y="348473"/>
-            <a:ext cx="10666" cy="6244351"/>
-          </a:xfrm>
-          <a:prstGeom prst="line">
-            <a:avLst/>
-          </a:prstGeom>
-        </p:spPr>
-        <p:style>
-          <a:lnRef idx="1">
-            <a:schemeClr val="accent1"/>
-          </a:lnRef>
-          <a:fillRef idx="0">
-            <a:schemeClr val="accent1"/>
-          </a:fillRef>
-          <a:effectRef idx="0">
-            <a:schemeClr val="accent1"/>
-          </a:effectRef>
-          <a:fontRef idx="minor">
-            <a:schemeClr val="tx1"/>
-          </a:fontRef>
-        </p:style>
-      </p:cxnSp>
-      <p:sp>
-        <p:nvSpPr>
-          <p:cNvPr id="13" name="TextBox 12">
-            <a:extLst>
-              <a:ext uri="{FF2B5EF4-FFF2-40B4-BE49-F238E27FC236}">
-                <a16:creationId xmlns:a16="http://schemas.microsoft.com/office/drawing/2014/main" id="{708BD760-456F-CD60-7D32-3CF4274E05B9}"/>
+              <a:rPr lang="en-US" sz="1200" dirty="0"/>
+              <a:t>2003</a:t>
+            </a:r>
+          </a:p>
+        </p:txBody>
+      </p:sp>
+      <p:sp>
+        <p:nvSpPr>
+          <p:cNvPr id="9" name="TextBox 8">
+            <a:extLst>
+              <a:ext uri="{FF2B5EF4-FFF2-40B4-BE49-F238E27FC236}">
+                <a16:creationId xmlns:a16="http://schemas.microsoft.com/office/drawing/2014/main" id="{C9D3CE3E-B316-D077-2A62-CC64C23BB9C7}"/>
               </a:ext>
             </a:extLst>
           </p:cNvPr>
@@ -4364,8 +4637,8 @@
         </p:nvSpPr>
         <p:spPr>
           <a:xfrm>
-            <a:off x="6047232" y="5655004"/>
-            <a:ext cx="780287" cy="430887"/>
+            <a:off x="960381" y="5261680"/>
+            <a:ext cx="558363" cy="276999"/>
           </a:xfrm>
           <a:prstGeom prst="rect">
             <a:avLst/>
@@ -4379,18 +4652,18 @@
           <a:lstStyle/>
           <a:p>
             <a:r>
-              <a:rPr lang="en-US" sz="1100" dirty="0"/>
-              <a:t>*2 years post-burn</a:t>
-            </a:r>
-          </a:p>
-        </p:txBody>
-      </p:sp>
-      <p:sp>
-        <p:nvSpPr>
-          <p:cNvPr id="16" name="TextBox 15">
-            <a:extLst>
-              <a:ext uri="{FF2B5EF4-FFF2-40B4-BE49-F238E27FC236}">
-                <a16:creationId xmlns:a16="http://schemas.microsoft.com/office/drawing/2014/main" id="{49A9FDCD-E610-AF2D-BD35-9808F883D089}"/>
+              <a:rPr lang="en-US" sz="1200" dirty="0"/>
+              <a:t>2023</a:t>
+            </a:r>
+          </a:p>
+        </p:txBody>
+      </p:sp>
+      <p:sp>
+        <p:nvSpPr>
+          <p:cNvPr id="2" name="TextBox 1">
+            <a:extLst>
+              <a:ext uri="{FF2B5EF4-FFF2-40B4-BE49-F238E27FC236}">
+                <a16:creationId xmlns:a16="http://schemas.microsoft.com/office/drawing/2014/main" id="{8F04261D-3099-1428-27B9-F79D22C4AC0A}"/>
               </a:ext>
             </a:extLst>
           </p:cNvPr>
@@ -4399,8 +4672,8 @@
         </p:nvSpPr>
         <p:spPr>
           <a:xfrm>
-            <a:off x="9325360" y="3429000"/>
-            <a:ext cx="877824" cy="261610"/>
+            <a:off x="-64050" y="3337691"/>
+            <a:ext cx="1571625" cy="646331"/>
           </a:xfrm>
           <a:prstGeom prst="rect">
             <a:avLst/>
@@ -4413,19 +4686,20 @@
           </a:bodyPr>
           <a:lstStyle/>
           <a:p>
-            <a:r>
-              <a:rPr lang="en-US" sz="1100" dirty="0"/>
-              <a:t>- 20%</a:t>
-            </a:r>
-          </a:p>
-        </p:txBody>
-      </p:sp>
-      <p:sp>
-        <p:nvSpPr>
-          <p:cNvPr id="17" name="TextBox 16">
-            <a:extLst>
-              <a:ext uri="{FF2B5EF4-FFF2-40B4-BE49-F238E27FC236}">
-                <a16:creationId xmlns:a16="http://schemas.microsoft.com/office/drawing/2014/main" id="{22A413F6-5F2F-1285-1955-26C0F36AB41B}"/>
+            <a:pPr algn="ctr"/>
+            <a:r>
+              <a:rPr lang="en-US" dirty="0"/>
+              <a:t>Density (count/acre)</a:t>
+            </a:r>
+          </a:p>
+        </p:txBody>
+      </p:sp>
+      <p:sp>
+        <p:nvSpPr>
+          <p:cNvPr id="10" name="TextBox 9">
+            <a:extLst>
+              <a:ext uri="{FF2B5EF4-FFF2-40B4-BE49-F238E27FC236}">
+                <a16:creationId xmlns:a16="http://schemas.microsoft.com/office/drawing/2014/main" id="{809DB1F7-60C0-11AE-24C2-A88ECF580F33}"/>
               </a:ext>
             </a:extLst>
           </p:cNvPr>
@@ -4434,8 +4708,8 @@
         </p:nvSpPr>
         <p:spPr>
           <a:xfrm>
-            <a:off x="9325360" y="4354564"/>
-            <a:ext cx="877824" cy="261610"/>
+            <a:off x="5034700" y="6450102"/>
+            <a:ext cx="2617240" cy="369332"/>
           </a:xfrm>
           <a:prstGeom prst="rect">
             <a:avLst/>
@@ -4449,8 +4723,8 @@
           <a:lstStyle/>
           <a:p>
             <a:r>
-              <a:rPr lang="en-US" sz="1100" dirty="0"/>
-              <a:t>- 50%</a:t>
+              <a:rPr lang="en-US" dirty="0"/>
+              <a:t>Plot (PSME01 – PSME10)</a:t>
             </a:r>
           </a:p>
         </p:txBody>
@@ -4458,7 +4732,7 @@
     </p:spTree>
     <p:extLst>
       <p:ext uri="{BB962C8B-B14F-4D97-AF65-F5344CB8AC3E}">
-        <p14:creationId xmlns:p14="http://schemas.microsoft.com/office/powerpoint/2010/main" val="342745335"/>
+        <p14:creationId xmlns:p14="http://schemas.microsoft.com/office/powerpoint/2010/main" val="2504186693"/>
       </p:ext>
     </p:extLst>
   </p:cSld>
@@ -4487,15 +4761,15 @@
       </p:grpSpPr>
       <p:pic>
         <p:nvPicPr>
-          <p:cNvPr id="3" name="Picture 2">
-            <a:extLst>
-              <a:ext uri="{FF2B5EF4-FFF2-40B4-BE49-F238E27FC236}">
-                <a16:creationId xmlns:a16="http://schemas.microsoft.com/office/drawing/2014/main" id="{98595FB7-B7C4-95A4-72EE-8ACD4411653F}"/>
+          <p:cNvPr id="14" name="Picture 13">
+            <a:extLst>
+              <a:ext uri="{FF2B5EF4-FFF2-40B4-BE49-F238E27FC236}">
+                <a16:creationId xmlns:a16="http://schemas.microsoft.com/office/drawing/2014/main" id="{79DF00AC-798B-DA58-3501-283A44C603DA}"/>
               </a:ext>
             </a:extLst>
           </p:cNvPr>
           <p:cNvPicPr>
-            <a:picLocks noGrp="1" noRot="1" noChangeAspect="1" noMove="1" noResize="1" noEditPoints="1" noAdjustHandles="1" noChangeArrowheads="1" noChangeShapeType="1" noCrop="1"/>
+            <a:picLocks noChangeAspect="1"/>
           </p:cNvPicPr>
           <p:nvPr/>
         </p:nvPicPr>
@@ -4507,13 +4781,13 @@
               </a:ext>
             </a:extLst>
           </a:blip>
-          <a:srcRect l="15906" r="19470"/>
+          <a:srcRect l="-906" r="89812"/>
           <a:stretch/>
         </p:blipFill>
         <p:spPr>
           <a:xfrm>
-            <a:off x="3757961" y="509708"/>
-            <a:ext cx="5218771" cy="6056674"/>
+            <a:off x="2377253" y="348473"/>
+            <a:ext cx="911349" cy="6161053"/>
           </a:xfrm>
           <a:prstGeom prst="rect">
             <a:avLst/>
@@ -4522,80 +4796,45 @@
       </p:pic>
       <p:pic>
         <p:nvPicPr>
-          <p:cNvPr id="4" name="Picture 3">
-            <a:extLst>
-              <a:ext uri="{FF2B5EF4-FFF2-40B4-BE49-F238E27FC236}">
-                <a16:creationId xmlns:a16="http://schemas.microsoft.com/office/drawing/2014/main" id="{3FE76828-6482-C5F7-9876-F1D66BAAB3CF}"/>
+          <p:cNvPr id="3" name="Picture 2">
+            <a:extLst>
+              <a:ext uri="{FF2B5EF4-FFF2-40B4-BE49-F238E27FC236}">
+                <a16:creationId xmlns:a16="http://schemas.microsoft.com/office/drawing/2014/main" id="{E5183A98-1FE4-4491-99B2-B6AFB6E47DF4}"/>
               </a:ext>
             </a:extLst>
           </p:cNvPr>
           <p:cNvPicPr>
-            <a:picLocks noGrp="1" noRot="1" noChangeAspect="1" noMove="1" noResize="1" noEditPoints="1" noAdjustHandles="1" noChangeArrowheads="1" noChangeShapeType="1" noCrop="1"/>
+            <a:picLocks noChangeAspect="1"/>
           </p:cNvPicPr>
           <p:nvPr/>
         </p:nvPicPr>
         <p:blipFill rotWithShape="1">
-          <a:blip r:embed="rId2">
+          <a:blip r:embed="rId3">
             <a:extLst>
               <a:ext uri="{28A0092B-C50C-407E-A947-70E740481C1C}">
                 <a14:useLocalDpi xmlns:a14="http://schemas.microsoft.com/office/drawing/2010/main" val="0"/>
               </a:ext>
             </a:extLst>
           </a:blip>
-          <a:srcRect l="-1" r="83709" b="8112"/>
+          <a:srcRect l="11986" r="1970"/>
           <a:stretch/>
         </p:blipFill>
         <p:spPr>
           <a:xfrm>
-            <a:off x="2442338" y="509708"/>
-            <a:ext cx="1315623" cy="5565402"/>
+            <a:off x="2962656" y="357617"/>
+            <a:ext cx="7068311" cy="6161053"/>
           </a:xfrm>
           <a:prstGeom prst="rect">
             <a:avLst/>
           </a:prstGeom>
         </p:spPr>
       </p:pic>
-      <p:pic>
-        <p:nvPicPr>
-          <p:cNvPr id="5" name="Picture 4">
-            <a:extLst>
-              <a:ext uri="{FF2B5EF4-FFF2-40B4-BE49-F238E27FC236}">
-                <a16:creationId xmlns:a16="http://schemas.microsoft.com/office/drawing/2014/main" id="{7FF53BED-13E0-32E4-203C-3189A5A9BD5F}"/>
-              </a:ext>
-            </a:extLst>
-          </p:cNvPr>
-          <p:cNvPicPr>
-            <a:picLocks noGrp="1" noRot="1" noChangeAspect="1" noMove="1" noResize="1" noEditPoints="1" noAdjustHandles="1" noChangeArrowheads="1" noChangeShapeType="1" noCrop="1"/>
-          </p:cNvPicPr>
-          <p:nvPr/>
-        </p:nvPicPr>
-        <p:blipFill rotWithShape="1">
-          <a:blip r:embed="rId2">
-            <a:extLst>
-              <a:ext uri="{28A0092B-C50C-407E-A947-70E740481C1C}">
-                <a14:useLocalDpi xmlns:a14="http://schemas.microsoft.com/office/drawing/2010/main" val="0"/>
-              </a:ext>
-            </a:extLst>
-          </a:blip>
-          <a:srcRect l="79195" r="1" b="10628"/>
-          <a:stretch/>
-        </p:blipFill>
-        <p:spPr>
-          <a:xfrm>
-            <a:off x="8976732" y="509708"/>
-            <a:ext cx="1680116" cy="5413002"/>
-          </a:xfrm>
-          <a:prstGeom prst="rect">
-            <a:avLst/>
-          </a:prstGeom>
-        </p:spPr>
-      </p:pic>
-      <p:sp>
-        <p:nvSpPr>
-          <p:cNvPr id="6" name="TextBox 5">
-            <a:extLst>
-              <a:ext uri="{FF2B5EF4-FFF2-40B4-BE49-F238E27FC236}">
-                <a16:creationId xmlns:a16="http://schemas.microsoft.com/office/drawing/2014/main" id="{29078BEE-41E1-F912-CF47-777A87313178}"/>
+      <p:sp>
+        <p:nvSpPr>
+          <p:cNvPr id="4" name="TextBox 3">
+            <a:extLst>
+              <a:ext uri="{FF2B5EF4-FFF2-40B4-BE49-F238E27FC236}">
+                <a16:creationId xmlns:a16="http://schemas.microsoft.com/office/drawing/2014/main" id="{3329508D-306F-FED8-4AA0-BBC25E6D7F28}"/>
               </a:ext>
             </a:extLst>
           </p:cNvPr>
@@ -4604,8 +4843,8 @@
         </p:nvSpPr>
         <p:spPr>
           <a:xfrm>
-            <a:off x="9310750" y="1200653"/>
-            <a:ext cx="877824" cy="261610"/>
+            <a:off x="3145441" y="618220"/>
+            <a:ext cx="1014984" cy="307777"/>
           </a:xfrm>
           <a:prstGeom prst="rect">
             <a:avLst/>
@@ -4619,18 +4858,18 @@
           <a:lstStyle/>
           <a:p>
             <a:r>
-              <a:rPr lang="en-US" sz="1100" dirty="0"/>
-              <a:t>0%</a:t>
-            </a:r>
-          </a:p>
-        </p:txBody>
-      </p:sp>
-      <p:sp>
-        <p:nvSpPr>
-          <p:cNvPr id="7" name="TextBox 6">
-            <a:extLst>
-              <a:ext uri="{FF2B5EF4-FFF2-40B4-BE49-F238E27FC236}">
-                <a16:creationId xmlns:a16="http://schemas.microsoft.com/office/drawing/2014/main" id="{80E8490C-D853-38C2-D50C-C94593526263}"/>
+              <a:rPr lang="en-US" sz="1400" dirty="0"/>
+              <a:t>Pre-Fire</a:t>
+            </a:r>
+          </a:p>
+        </p:txBody>
+      </p:sp>
+      <p:sp>
+        <p:nvSpPr>
+          <p:cNvPr id="5" name="TextBox 4">
+            <a:extLst>
+              <a:ext uri="{FF2B5EF4-FFF2-40B4-BE49-F238E27FC236}">
+                <a16:creationId xmlns:a16="http://schemas.microsoft.com/office/drawing/2014/main" id="{51FAC376-B3E3-CE58-81F1-FEBDB7B6B1E8}"/>
               </a:ext>
             </a:extLst>
           </p:cNvPr>
@@ -4639,8 +4878,8 @@
         </p:nvSpPr>
         <p:spPr>
           <a:xfrm>
-            <a:off x="9241544" y="1462263"/>
-            <a:ext cx="877824" cy="261610"/>
+            <a:off x="6557772" y="618220"/>
+            <a:ext cx="1014984" cy="307777"/>
           </a:xfrm>
           <a:prstGeom prst="rect">
             <a:avLst/>
@@ -4654,18 +4893,18 @@
           <a:lstStyle/>
           <a:p>
             <a:r>
-              <a:rPr lang="en-US" sz="1100" dirty="0"/>
-              <a:t>- 10%</a:t>
-            </a:r>
-          </a:p>
-        </p:txBody>
-      </p:sp>
-      <p:sp>
-        <p:nvSpPr>
-          <p:cNvPr id="9" name="TextBox 8">
-            <a:extLst>
-              <a:ext uri="{FF2B5EF4-FFF2-40B4-BE49-F238E27FC236}">
-                <a16:creationId xmlns:a16="http://schemas.microsoft.com/office/drawing/2014/main" id="{9F5F4D2A-5AB3-0AE8-1739-E804C8A57B84}"/>
+              <a:rPr lang="en-US" sz="1400" dirty="0"/>
+              <a:t>Post-Fire</a:t>
+            </a:r>
+          </a:p>
+        </p:txBody>
+      </p:sp>
+      <p:sp>
+        <p:nvSpPr>
+          <p:cNvPr id="6" name="TextBox 5">
+            <a:extLst>
+              <a:ext uri="{FF2B5EF4-FFF2-40B4-BE49-F238E27FC236}">
+                <a16:creationId xmlns:a16="http://schemas.microsoft.com/office/drawing/2014/main" id="{4B4BAF50-9A65-EBD8-D980-34AB2F9295DD}"/>
               </a:ext>
             </a:extLst>
           </p:cNvPr>
@@ -4674,77 +4913,7 @@
         </p:nvSpPr>
         <p:spPr>
           <a:xfrm>
-            <a:off x="4058600" y="810244"/>
-            <a:ext cx="1014984" cy="261610"/>
-          </a:xfrm>
-          <a:prstGeom prst="rect">
-            <a:avLst/>
-          </a:prstGeom>
-          <a:noFill/>
-        </p:spPr>
-        <p:txBody>
-          <a:bodyPr wrap="square" rtlCol="0">
-            <a:spAutoFit/>
-          </a:bodyPr>
-          <a:lstStyle/>
-          <a:p>
-            <a:r>
-              <a:rPr lang="en-US" sz="1100" dirty="0"/>
-              <a:t>Pre-Fire</a:t>
-            </a:r>
-          </a:p>
-        </p:txBody>
-      </p:sp>
-      <p:sp>
-        <p:nvSpPr>
-          <p:cNvPr id="10" name="TextBox 9">
-            <a:extLst>
-              <a:ext uri="{FF2B5EF4-FFF2-40B4-BE49-F238E27FC236}">
-                <a16:creationId xmlns:a16="http://schemas.microsoft.com/office/drawing/2014/main" id="{3E28EB1E-3606-B82C-DA5A-2F4F2F811E4D}"/>
-              </a:ext>
-            </a:extLst>
-          </p:cNvPr>
-          <p:cNvSpPr txBox="1"/>
-          <p:nvPr/>
-        </p:nvSpPr>
-        <p:spPr>
-          <a:xfrm>
-            <a:off x="7228520" y="818605"/>
-            <a:ext cx="1014984" cy="261610"/>
-          </a:xfrm>
-          <a:prstGeom prst="rect">
-            <a:avLst/>
-          </a:prstGeom>
-          <a:noFill/>
-        </p:spPr>
-        <p:txBody>
-          <a:bodyPr wrap="square" rtlCol="0">
-            <a:spAutoFit/>
-          </a:bodyPr>
-          <a:lstStyle/>
-          <a:p>
-            <a:r>
-              <a:rPr lang="en-US" sz="1100" dirty="0"/>
-              <a:t>Post-Fire</a:t>
-            </a:r>
-          </a:p>
-        </p:txBody>
-      </p:sp>
-      <p:sp>
-        <p:nvSpPr>
-          <p:cNvPr id="11" name="TextBox 10">
-            <a:extLst>
-              <a:ext uri="{FF2B5EF4-FFF2-40B4-BE49-F238E27FC236}">
-                <a16:creationId xmlns:a16="http://schemas.microsoft.com/office/drawing/2014/main" id="{E4C8FAF2-5299-EEC8-A32B-D28FBF429AC4}"/>
-              </a:ext>
-            </a:extLst>
-          </p:cNvPr>
-          <p:cNvSpPr txBox="1"/>
-          <p:nvPr/>
-        </p:nvSpPr>
-        <p:spPr>
-          <a:xfrm>
-            <a:off x="5489522" y="2425611"/>
+            <a:off x="4596385" y="3504603"/>
             <a:ext cx="877824" cy="307777"/>
           </a:xfrm>
           <a:prstGeom prst="rect">
@@ -4764,17 +4933,17 @@
                   <a:srgbClr val="FF0000"/>
                 </a:solidFill>
               </a:rPr>
-              <a:t>- 42.6%</a:t>
-            </a:r>
-          </a:p>
-        </p:txBody>
-      </p:sp>
-      <p:sp>
-        <p:nvSpPr>
-          <p:cNvPr id="12" name="TextBox 11">
-            <a:extLst>
-              <a:ext uri="{FF2B5EF4-FFF2-40B4-BE49-F238E27FC236}">
-                <a16:creationId xmlns:a16="http://schemas.microsoft.com/office/drawing/2014/main" id="{666044CE-4E27-A630-7AFE-C039FC4C4033}"/>
+              <a:t>- 13.8%</a:t>
+            </a:r>
+          </a:p>
+        </p:txBody>
+      </p:sp>
+      <p:sp>
+        <p:nvSpPr>
+          <p:cNvPr id="7" name="TextBox 6">
+            <a:extLst>
+              <a:ext uri="{FF2B5EF4-FFF2-40B4-BE49-F238E27FC236}">
+                <a16:creationId xmlns:a16="http://schemas.microsoft.com/office/drawing/2014/main" id="{5A3554D5-328E-8E2D-95FA-34B66B4A7190}"/>
               </a:ext>
             </a:extLst>
           </p:cNvPr>
@@ -4783,7 +4952,7 @@
         </p:nvSpPr>
         <p:spPr>
           <a:xfrm>
-            <a:off x="6407044" y="2598678"/>
+            <a:off x="5522788" y="4485369"/>
             <a:ext cx="877824" cy="307777"/>
           </a:xfrm>
           <a:prstGeom prst="rect">
@@ -4803,17 +4972,17 @@
                   <a:srgbClr val="FF0000"/>
                 </a:solidFill>
               </a:rPr>
-              <a:t>- 45.9%</a:t>
-            </a:r>
-          </a:p>
-        </p:txBody>
-      </p:sp>
-      <p:sp>
-        <p:nvSpPr>
-          <p:cNvPr id="13" name="TextBox 12">
-            <a:extLst>
-              <a:ext uri="{FF2B5EF4-FFF2-40B4-BE49-F238E27FC236}">
-                <a16:creationId xmlns:a16="http://schemas.microsoft.com/office/drawing/2014/main" id="{00F128A9-57CD-9869-5E8F-F5BE9F457A3B}"/>
+              <a:t>- 47.2%</a:t>
+            </a:r>
+          </a:p>
+        </p:txBody>
+      </p:sp>
+      <p:sp>
+        <p:nvSpPr>
+          <p:cNvPr id="10" name="TextBox 9">
+            <a:extLst>
+              <a:ext uri="{FF2B5EF4-FFF2-40B4-BE49-F238E27FC236}">
+                <a16:creationId xmlns:a16="http://schemas.microsoft.com/office/drawing/2014/main" id="{08E5834A-762C-C97E-6C17-126C4BD7BA1A}"/>
               </a:ext>
             </a:extLst>
           </p:cNvPr>
@@ -4822,7 +4991,7 @@
         </p:nvSpPr>
         <p:spPr>
           <a:xfrm>
-            <a:off x="8243504" y="3062320"/>
+            <a:off x="8464484" y="4863082"/>
             <a:ext cx="877824" cy="307777"/>
           </a:xfrm>
           <a:prstGeom prst="rect">
@@ -4842,27 +5011,29 @@
                   <a:srgbClr val="FF0000"/>
                 </a:solidFill>
               </a:rPr>
-              <a:t>- 60.4%</a:t>
+              <a:t>- 59%</a:t>
             </a:r>
           </a:p>
         </p:txBody>
       </p:sp>
       <p:cxnSp>
         <p:nvCxnSpPr>
-          <p:cNvPr id="14" name="Straight Connector 13">
-            <a:extLst>
-              <a:ext uri="{FF2B5EF4-FFF2-40B4-BE49-F238E27FC236}">
-                <a16:creationId xmlns:a16="http://schemas.microsoft.com/office/drawing/2014/main" id="{E035A26F-9DCB-4201-8763-E95ABC72A2C4}"/>
-              </a:ext>
-            </a:extLst>
-          </p:cNvPr>
-          <p:cNvCxnSpPr/>
+          <p:cNvPr id="12" name="Straight Connector 11">
+            <a:extLst>
+              <a:ext uri="{FF2B5EF4-FFF2-40B4-BE49-F238E27FC236}">
+                <a16:creationId xmlns:a16="http://schemas.microsoft.com/office/drawing/2014/main" id="{5CE13AF4-6640-CCB0-9007-98AF3D72B520}"/>
+              </a:ext>
+            </a:extLst>
+          </p:cNvPr>
+          <p:cNvCxnSpPr>
+            <a:cxnSpLocks/>
+          </p:cNvCxnSpPr>
           <p:nvPr/>
         </p:nvCxnSpPr>
         <p:spPr>
           <a:xfrm>
-            <a:off x="6793107" y="291618"/>
-            <a:ext cx="10666" cy="6244351"/>
+            <a:off x="6096000" y="348473"/>
+            <a:ext cx="0" cy="6262638"/>
           </a:xfrm>
           <a:prstGeom prst="line">
             <a:avLst/>
@@ -4885,10 +5056,10 @@
       </p:cxnSp>
       <p:sp>
         <p:nvSpPr>
-          <p:cNvPr id="15" name="TextBox 14">
-            <a:extLst>
-              <a:ext uri="{FF2B5EF4-FFF2-40B4-BE49-F238E27FC236}">
-                <a16:creationId xmlns:a16="http://schemas.microsoft.com/office/drawing/2014/main" id="{52F50A45-5B82-8624-F923-0AFC7D229F1B}"/>
+          <p:cNvPr id="13" name="TextBox 12">
+            <a:extLst>
+              <a:ext uri="{FF2B5EF4-FFF2-40B4-BE49-F238E27FC236}">
+                <a16:creationId xmlns:a16="http://schemas.microsoft.com/office/drawing/2014/main" id="{708BD760-456F-CD60-7D32-3CF4274E05B9}"/>
               </a:ext>
             </a:extLst>
           </p:cNvPr>
@@ -4897,7 +5068,7 @@
         </p:nvSpPr>
         <p:spPr>
           <a:xfrm>
-            <a:off x="6762775" y="5707266"/>
+            <a:off x="6047232" y="5655004"/>
             <a:ext cx="780287" cy="430887"/>
           </a:xfrm>
           <a:prstGeom prst="rect">
@@ -4913,7 +5084,470 @@
           <a:p>
             <a:r>
               <a:rPr lang="en-US" sz="1100" dirty="0"/>
+              <a:t>*2 years post-burn</a:t>
+            </a:r>
+          </a:p>
+        </p:txBody>
+      </p:sp>
+      <p:sp>
+        <p:nvSpPr>
+          <p:cNvPr id="16" name="TextBox 15">
+            <a:extLst>
+              <a:ext uri="{FF2B5EF4-FFF2-40B4-BE49-F238E27FC236}">
+                <a16:creationId xmlns:a16="http://schemas.microsoft.com/office/drawing/2014/main" id="{49A9FDCD-E610-AF2D-BD35-9808F883D089}"/>
+              </a:ext>
+            </a:extLst>
+          </p:cNvPr>
+          <p:cNvSpPr txBox="1"/>
+          <p:nvPr/>
+        </p:nvSpPr>
+        <p:spPr>
+          <a:xfrm>
+            <a:off x="9518902" y="3681575"/>
+            <a:ext cx="877824" cy="261610"/>
+          </a:xfrm>
+          <a:prstGeom prst="rect">
+            <a:avLst/>
+          </a:prstGeom>
+          <a:noFill/>
+        </p:spPr>
+        <p:txBody>
+          <a:bodyPr wrap="square" rtlCol="0">
+            <a:spAutoFit/>
+          </a:bodyPr>
+          <a:lstStyle/>
+          <a:p>
+            <a:r>
+              <a:rPr lang="en-US" sz="1100" dirty="0"/>
+              <a:t>- 30%</a:t>
+            </a:r>
+          </a:p>
+        </p:txBody>
+      </p:sp>
+      <p:sp>
+        <p:nvSpPr>
+          <p:cNvPr id="17" name="TextBox 16">
+            <a:extLst>
+              <a:ext uri="{FF2B5EF4-FFF2-40B4-BE49-F238E27FC236}">
+                <a16:creationId xmlns:a16="http://schemas.microsoft.com/office/drawing/2014/main" id="{22A413F6-5F2F-1285-1955-26C0F36AB41B}"/>
+              </a:ext>
+            </a:extLst>
+          </p:cNvPr>
+          <p:cNvSpPr txBox="1"/>
+          <p:nvPr/>
+        </p:nvSpPr>
+        <p:spPr>
+          <a:xfrm>
+            <a:off x="9533956" y="4354564"/>
+            <a:ext cx="877824" cy="261610"/>
+          </a:xfrm>
+          <a:prstGeom prst="rect">
+            <a:avLst/>
+          </a:prstGeom>
+          <a:noFill/>
+        </p:spPr>
+        <p:txBody>
+          <a:bodyPr wrap="square" rtlCol="0">
+            <a:spAutoFit/>
+          </a:bodyPr>
+          <a:lstStyle/>
+          <a:p>
+            <a:r>
+              <a:rPr lang="en-US" sz="1100" dirty="0"/>
+              <a:t>- 50%</a:t>
+            </a:r>
+          </a:p>
+        </p:txBody>
+      </p:sp>
+    </p:spTree>
+    <p:extLst>
+      <p:ext uri="{BB962C8B-B14F-4D97-AF65-F5344CB8AC3E}">
+        <p14:creationId xmlns:p14="http://schemas.microsoft.com/office/powerpoint/2010/main" val="342745335"/>
+      </p:ext>
+    </p:extLst>
+  </p:cSld>
+  <p:clrMapOvr>
+    <a:masterClrMapping/>
+  </p:clrMapOvr>
+</p:sld>
+</file>
+
+<file path=ppt/slides/slide4.xml><?xml version="1.0" encoding="utf-8"?>
+<p:sld xmlns:a="http://schemas.openxmlformats.org/drawingml/2006/main" xmlns:r="http://schemas.openxmlformats.org/officeDocument/2006/relationships" xmlns:p="http://schemas.openxmlformats.org/presentationml/2006/main">
+  <p:cSld>
+    <p:spTree>
+      <p:nvGrpSpPr>
+        <p:cNvPr id="1" name=""/>
+        <p:cNvGrpSpPr/>
+        <p:nvPr/>
+      </p:nvGrpSpPr>
+      <p:grpSpPr>
+        <a:xfrm>
+          <a:off x="0" y="0"/>
+          <a:ext cx="0" cy="0"/>
+          <a:chOff x="0" y="0"/>
+          <a:chExt cx="0" cy="0"/>
+        </a:xfrm>
+      </p:grpSpPr>
+      <p:pic>
+        <p:nvPicPr>
+          <p:cNvPr id="3" name="Picture 2">
+            <a:extLst>
+              <a:ext uri="{FF2B5EF4-FFF2-40B4-BE49-F238E27FC236}">
+                <a16:creationId xmlns:a16="http://schemas.microsoft.com/office/drawing/2014/main" id="{98595FB7-B7C4-95A4-72EE-8ACD4411653F}"/>
+              </a:ext>
+            </a:extLst>
+          </p:cNvPr>
+          <p:cNvPicPr>
+            <a:picLocks noChangeAspect="1"/>
+          </p:cNvPicPr>
+          <p:nvPr/>
+        </p:nvPicPr>
+        <p:blipFill rotWithShape="1">
+          <a:blip r:embed="rId2">
+            <a:extLst>
+              <a:ext uri="{28A0092B-C50C-407E-A947-70E740481C1C}">
+                <a14:useLocalDpi xmlns:a14="http://schemas.microsoft.com/office/drawing/2010/main" val="0"/>
+              </a:ext>
+            </a:extLst>
+          </a:blip>
+          <a:srcRect l="157" r="-102"/>
+          <a:stretch/>
+        </p:blipFill>
+        <p:spPr>
+          <a:xfrm>
+            <a:off x="2342387" y="509708"/>
+            <a:ext cx="8071107" cy="6056674"/>
+          </a:xfrm>
+          <a:prstGeom prst="rect">
+            <a:avLst/>
+          </a:prstGeom>
+        </p:spPr>
+      </p:pic>
+      <p:sp>
+        <p:nvSpPr>
+          <p:cNvPr id="6" name="TextBox 5">
+            <a:extLst>
+              <a:ext uri="{FF2B5EF4-FFF2-40B4-BE49-F238E27FC236}">
+                <a16:creationId xmlns:a16="http://schemas.microsoft.com/office/drawing/2014/main" id="{29078BEE-41E1-F912-CF47-777A87313178}"/>
+              </a:ext>
+            </a:extLst>
+          </p:cNvPr>
+          <p:cNvSpPr txBox="1"/>
+          <p:nvPr/>
+        </p:nvSpPr>
+        <p:spPr>
+          <a:xfrm>
+            <a:off x="9310750" y="1200653"/>
+            <a:ext cx="877824" cy="261610"/>
+          </a:xfrm>
+          <a:prstGeom prst="rect">
+            <a:avLst/>
+          </a:prstGeom>
+          <a:noFill/>
+        </p:spPr>
+        <p:txBody>
+          <a:bodyPr wrap="square" rtlCol="0">
+            <a:spAutoFit/>
+          </a:bodyPr>
+          <a:lstStyle/>
+          <a:p>
+            <a:r>
+              <a:rPr lang="en-US" sz="1100" dirty="0"/>
+              <a:t>0%</a:t>
+            </a:r>
+          </a:p>
+        </p:txBody>
+      </p:sp>
+      <p:sp>
+        <p:nvSpPr>
+          <p:cNvPr id="7" name="TextBox 6">
+            <a:extLst>
+              <a:ext uri="{FF2B5EF4-FFF2-40B4-BE49-F238E27FC236}">
+                <a16:creationId xmlns:a16="http://schemas.microsoft.com/office/drawing/2014/main" id="{80E8490C-D853-38C2-D50C-C94593526263}"/>
+              </a:ext>
+            </a:extLst>
+          </p:cNvPr>
+          <p:cNvSpPr txBox="1"/>
+          <p:nvPr/>
+        </p:nvSpPr>
+        <p:spPr>
+          <a:xfrm>
+            <a:off x="9241544" y="1462263"/>
+            <a:ext cx="877824" cy="261610"/>
+          </a:xfrm>
+          <a:prstGeom prst="rect">
+            <a:avLst/>
+          </a:prstGeom>
+          <a:noFill/>
+        </p:spPr>
+        <p:txBody>
+          <a:bodyPr wrap="square" rtlCol="0">
+            <a:spAutoFit/>
+          </a:bodyPr>
+          <a:lstStyle/>
+          <a:p>
+            <a:r>
+              <a:rPr lang="en-US" sz="1100" dirty="0"/>
+              <a:t>- 10%</a:t>
+            </a:r>
+          </a:p>
+        </p:txBody>
+      </p:sp>
+      <p:sp>
+        <p:nvSpPr>
+          <p:cNvPr id="9" name="TextBox 8">
+            <a:extLst>
+              <a:ext uri="{FF2B5EF4-FFF2-40B4-BE49-F238E27FC236}">
+                <a16:creationId xmlns:a16="http://schemas.microsoft.com/office/drawing/2014/main" id="{9F5F4D2A-5AB3-0AE8-1739-E804C8A57B84}"/>
+              </a:ext>
+            </a:extLst>
+          </p:cNvPr>
+          <p:cNvSpPr txBox="1"/>
+          <p:nvPr/>
+        </p:nvSpPr>
+        <p:spPr>
+          <a:xfrm>
+            <a:off x="4058600" y="810244"/>
+            <a:ext cx="1014984" cy="261610"/>
+          </a:xfrm>
+          <a:prstGeom prst="rect">
+            <a:avLst/>
+          </a:prstGeom>
+          <a:noFill/>
+        </p:spPr>
+        <p:txBody>
+          <a:bodyPr wrap="square" rtlCol="0">
+            <a:spAutoFit/>
+          </a:bodyPr>
+          <a:lstStyle/>
+          <a:p>
+            <a:r>
+              <a:rPr lang="en-US" sz="1100" dirty="0"/>
+              <a:t>Pre-Fire</a:t>
+            </a:r>
+          </a:p>
+        </p:txBody>
+      </p:sp>
+      <p:sp>
+        <p:nvSpPr>
+          <p:cNvPr id="10" name="TextBox 9">
+            <a:extLst>
+              <a:ext uri="{FF2B5EF4-FFF2-40B4-BE49-F238E27FC236}">
+                <a16:creationId xmlns:a16="http://schemas.microsoft.com/office/drawing/2014/main" id="{3E28EB1E-3606-B82C-DA5A-2F4F2F811E4D}"/>
+              </a:ext>
+            </a:extLst>
+          </p:cNvPr>
+          <p:cNvSpPr txBox="1"/>
+          <p:nvPr/>
+        </p:nvSpPr>
+        <p:spPr>
+          <a:xfrm>
+            <a:off x="7228520" y="818605"/>
+            <a:ext cx="1014984" cy="261610"/>
+          </a:xfrm>
+          <a:prstGeom prst="rect">
+            <a:avLst/>
+          </a:prstGeom>
+          <a:noFill/>
+        </p:spPr>
+        <p:txBody>
+          <a:bodyPr wrap="square" rtlCol="0">
+            <a:spAutoFit/>
+          </a:bodyPr>
+          <a:lstStyle/>
+          <a:p>
+            <a:r>
+              <a:rPr lang="en-US" sz="1100" dirty="0"/>
+              <a:t>Post-Fire</a:t>
+            </a:r>
+          </a:p>
+        </p:txBody>
+      </p:sp>
+      <p:sp>
+        <p:nvSpPr>
+          <p:cNvPr id="11" name="TextBox 10">
+            <a:extLst>
+              <a:ext uri="{FF2B5EF4-FFF2-40B4-BE49-F238E27FC236}">
+                <a16:creationId xmlns:a16="http://schemas.microsoft.com/office/drawing/2014/main" id="{E4C8FAF2-5299-EEC8-A32B-D28FBF429AC4}"/>
+              </a:ext>
+            </a:extLst>
+          </p:cNvPr>
+          <p:cNvSpPr txBox="1"/>
+          <p:nvPr/>
+        </p:nvSpPr>
+        <p:spPr>
+          <a:xfrm>
+            <a:off x="4979177" y="2436536"/>
+            <a:ext cx="877824" cy="307777"/>
+          </a:xfrm>
+          <a:prstGeom prst="rect">
+            <a:avLst/>
+          </a:prstGeom>
+          <a:noFill/>
+        </p:spPr>
+        <p:txBody>
+          <a:bodyPr wrap="square" rtlCol="0">
+            <a:spAutoFit/>
+          </a:bodyPr>
+          <a:lstStyle/>
+          <a:p>
+            <a:r>
+              <a:rPr lang="en-US" sz="1400" dirty="0">
+                <a:solidFill>
+                  <a:srgbClr val="FF0000"/>
+                </a:solidFill>
+              </a:rPr>
+              <a:t>- 42.6%</a:t>
+            </a:r>
+          </a:p>
+        </p:txBody>
+      </p:sp>
+      <p:sp>
+        <p:nvSpPr>
+          <p:cNvPr id="13" name="TextBox 12">
+            <a:extLst>
+              <a:ext uri="{FF2B5EF4-FFF2-40B4-BE49-F238E27FC236}">
+                <a16:creationId xmlns:a16="http://schemas.microsoft.com/office/drawing/2014/main" id="{00F128A9-57CD-9869-5E8F-F5BE9F457A3B}"/>
+              </a:ext>
+            </a:extLst>
+          </p:cNvPr>
+          <p:cNvSpPr txBox="1"/>
+          <p:nvPr/>
+        </p:nvSpPr>
+        <p:spPr>
+          <a:xfrm>
+            <a:off x="8243504" y="3062320"/>
+            <a:ext cx="877824" cy="307777"/>
+          </a:xfrm>
+          <a:prstGeom prst="rect">
+            <a:avLst/>
+          </a:prstGeom>
+          <a:noFill/>
+        </p:spPr>
+        <p:txBody>
+          <a:bodyPr wrap="square" rtlCol="0">
+            <a:spAutoFit/>
+          </a:bodyPr>
+          <a:lstStyle/>
+          <a:p>
+            <a:r>
+              <a:rPr lang="en-US" sz="1400" dirty="0">
+                <a:solidFill>
+                  <a:srgbClr val="FF0000"/>
+                </a:solidFill>
+              </a:rPr>
+              <a:t>- 60.4%</a:t>
+            </a:r>
+          </a:p>
+        </p:txBody>
+      </p:sp>
+      <p:cxnSp>
+        <p:nvCxnSpPr>
+          <p:cNvPr id="14" name="Straight Connector 13">
+            <a:extLst>
+              <a:ext uri="{FF2B5EF4-FFF2-40B4-BE49-F238E27FC236}">
+                <a16:creationId xmlns:a16="http://schemas.microsoft.com/office/drawing/2014/main" id="{E035A26F-9DCB-4201-8763-E95ABC72A2C4}"/>
+              </a:ext>
+            </a:extLst>
+          </p:cNvPr>
+          <p:cNvCxnSpPr/>
+          <p:nvPr/>
+        </p:nvCxnSpPr>
+        <p:spPr>
+          <a:xfrm>
+            <a:off x="6640417" y="306824"/>
+            <a:ext cx="10666" cy="6244351"/>
+          </a:xfrm>
+          <a:prstGeom prst="line">
+            <a:avLst/>
+          </a:prstGeom>
+        </p:spPr>
+        <p:style>
+          <a:lnRef idx="1">
+            <a:schemeClr val="accent1"/>
+          </a:lnRef>
+          <a:fillRef idx="0">
+            <a:schemeClr val="accent1"/>
+          </a:fillRef>
+          <a:effectRef idx="0">
+            <a:schemeClr val="accent1"/>
+          </a:effectRef>
+          <a:fontRef idx="minor">
+            <a:schemeClr val="tx1"/>
+          </a:fontRef>
+        </p:style>
+      </p:cxnSp>
+      <p:sp>
+        <p:nvSpPr>
+          <p:cNvPr id="15" name="TextBox 14">
+            <a:extLst>
+              <a:ext uri="{FF2B5EF4-FFF2-40B4-BE49-F238E27FC236}">
+                <a16:creationId xmlns:a16="http://schemas.microsoft.com/office/drawing/2014/main" id="{52F50A45-5B82-8624-F923-0AFC7D229F1B}"/>
+              </a:ext>
+            </a:extLst>
+          </p:cNvPr>
+          <p:cNvSpPr txBox="1"/>
+          <p:nvPr/>
+        </p:nvSpPr>
+        <p:spPr>
+          <a:xfrm>
+            <a:off x="6762775" y="5707266"/>
+            <a:ext cx="780287" cy="430887"/>
+          </a:xfrm>
+          <a:prstGeom prst="rect">
+            <a:avLst/>
+          </a:prstGeom>
+          <a:noFill/>
+        </p:spPr>
+        <p:txBody>
+          <a:bodyPr wrap="square" rtlCol="0">
+            <a:spAutoFit/>
+          </a:bodyPr>
+          <a:lstStyle/>
+          <a:p>
+            <a:r>
+              <a:rPr lang="en-US" sz="1100" dirty="0"/>
               <a:t>*5 years post-burn</a:t>
+            </a:r>
+          </a:p>
+        </p:txBody>
+      </p:sp>
+      <p:sp>
+        <p:nvSpPr>
+          <p:cNvPr id="2" name="TextBox 1">
+            <a:extLst>
+              <a:ext uri="{FF2B5EF4-FFF2-40B4-BE49-F238E27FC236}">
+                <a16:creationId xmlns:a16="http://schemas.microsoft.com/office/drawing/2014/main" id="{1C656928-1B28-D735-AFE9-A53AD95C5108}"/>
+              </a:ext>
+            </a:extLst>
+          </p:cNvPr>
+          <p:cNvSpPr txBox="1"/>
+          <p:nvPr/>
+        </p:nvSpPr>
+        <p:spPr>
+          <a:xfrm>
+            <a:off x="6640417" y="3049611"/>
+            <a:ext cx="877824" cy="307777"/>
+          </a:xfrm>
+          <a:prstGeom prst="rect">
+            <a:avLst/>
+          </a:prstGeom>
+          <a:noFill/>
+        </p:spPr>
+        <p:txBody>
+          <a:bodyPr wrap="square" rtlCol="0">
+            <a:spAutoFit/>
+          </a:bodyPr>
+          <a:lstStyle/>
+          <a:p>
+            <a:r>
+              <a:rPr lang="en-US" sz="1400" dirty="0">
+                <a:solidFill>
+                  <a:srgbClr val="FF0000"/>
+                </a:solidFill>
+              </a:rPr>
+              <a:t>- 61.3%</a:t>
             </a:r>
           </a:p>
         </p:txBody>
@@ -4922,6 +5556,586 @@
     <p:extLst>
       <p:ext uri="{BB962C8B-B14F-4D97-AF65-F5344CB8AC3E}">
         <p14:creationId xmlns:p14="http://schemas.microsoft.com/office/powerpoint/2010/main" val="2843270418"/>
+      </p:ext>
+    </p:extLst>
+  </p:cSld>
+  <p:clrMapOvr>
+    <a:masterClrMapping/>
+  </p:clrMapOvr>
+</p:sld>
+</file>
+
+<file path=ppt/slides/slide5.xml><?xml version="1.0" encoding="utf-8"?>
+<p:sld xmlns:a="http://schemas.openxmlformats.org/drawingml/2006/main" xmlns:r="http://schemas.openxmlformats.org/officeDocument/2006/relationships" xmlns:p="http://schemas.openxmlformats.org/presentationml/2006/main">
+  <p:cSld>
+    <p:spTree>
+      <p:nvGrpSpPr>
+        <p:cNvPr id="1" name=""/>
+        <p:cNvGrpSpPr/>
+        <p:nvPr/>
+      </p:nvGrpSpPr>
+      <p:grpSpPr>
+        <a:xfrm>
+          <a:off x="0" y="0"/>
+          <a:ext cx="0" cy="0"/>
+          <a:chOff x="0" y="0"/>
+          <a:chExt cx="0" cy="0"/>
+        </a:xfrm>
+      </p:grpSpPr>
+      <p:pic>
+        <p:nvPicPr>
+          <p:cNvPr id="2" name="Picture 1">
+            <a:extLst>
+              <a:ext uri="{FF2B5EF4-FFF2-40B4-BE49-F238E27FC236}">
+                <a16:creationId xmlns:a16="http://schemas.microsoft.com/office/drawing/2014/main" id="{80282F93-E17E-5C0A-C8BE-10B7588A8403}"/>
+              </a:ext>
+            </a:extLst>
+          </p:cNvPr>
+          <p:cNvPicPr>
+            <a:picLocks noChangeAspect="1"/>
+          </p:cNvPicPr>
+          <p:nvPr/>
+        </p:nvPicPr>
+        <p:blipFill>
+          <a:blip r:embed="rId2"/>
+          <a:stretch>
+            <a:fillRect/>
+          </a:stretch>
+        </p:blipFill>
+        <p:spPr>
+          <a:xfrm>
+            <a:off x="1873874" y="118594"/>
+            <a:ext cx="8666516" cy="6620812"/>
+          </a:xfrm>
+          <a:prstGeom prst="rect">
+            <a:avLst/>
+          </a:prstGeom>
+        </p:spPr>
+      </p:pic>
+      <p:sp>
+        <p:nvSpPr>
+          <p:cNvPr id="3" name="Oval 2">
+            <a:extLst>
+              <a:ext uri="{FF2B5EF4-FFF2-40B4-BE49-F238E27FC236}">
+                <a16:creationId xmlns:a16="http://schemas.microsoft.com/office/drawing/2014/main" id="{815C6C22-36E6-B3A4-6C3E-063EB274CDD8}"/>
+              </a:ext>
+            </a:extLst>
+          </p:cNvPr>
+          <p:cNvSpPr/>
+          <p:nvPr/>
+        </p:nvSpPr>
+        <p:spPr>
+          <a:xfrm>
+            <a:off x="5355102" y="3366867"/>
+            <a:ext cx="356382" cy="309489"/>
+          </a:xfrm>
+          <a:prstGeom prst="ellipse">
+            <a:avLst/>
+          </a:prstGeom>
+          <a:noFill/>
+          <a:ln w="28575">
+            <a:solidFill>
+              <a:srgbClr val="FF0000"/>
+            </a:solidFill>
+          </a:ln>
+        </p:spPr>
+        <p:style>
+          <a:lnRef idx="2">
+            <a:schemeClr val="accent1">
+              <a:shade val="15000"/>
+            </a:schemeClr>
+          </a:lnRef>
+          <a:fillRef idx="1">
+            <a:schemeClr val="accent1"/>
+          </a:fillRef>
+          <a:effectRef idx="0">
+            <a:schemeClr val="accent1"/>
+          </a:effectRef>
+          <a:fontRef idx="minor">
+            <a:schemeClr val="lt1"/>
+          </a:fontRef>
+        </p:style>
+        <p:txBody>
+          <a:bodyPr rtlCol="0" anchor="ctr"/>
+          <a:lstStyle/>
+          <a:p>
+            <a:pPr algn="ctr"/>
+            <a:endParaRPr lang="en-US"/>
+          </a:p>
+        </p:txBody>
+      </p:sp>
+      <p:sp>
+        <p:nvSpPr>
+          <p:cNvPr id="4" name="Oval 3">
+            <a:extLst>
+              <a:ext uri="{FF2B5EF4-FFF2-40B4-BE49-F238E27FC236}">
+                <a16:creationId xmlns:a16="http://schemas.microsoft.com/office/drawing/2014/main" id="{4A873F48-BA6C-99C0-85E3-AB051F4294F8}"/>
+              </a:ext>
+            </a:extLst>
+          </p:cNvPr>
+          <p:cNvSpPr/>
+          <p:nvPr/>
+        </p:nvSpPr>
+        <p:spPr>
+          <a:xfrm>
+            <a:off x="4508696" y="3429000"/>
+            <a:ext cx="356382" cy="309489"/>
+          </a:xfrm>
+          <a:prstGeom prst="ellipse">
+            <a:avLst/>
+          </a:prstGeom>
+          <a:noFill/>
+          <a:ln w="28575">
+            <a:solidFill>
+              <a:srgbClr val="FF0000"/>
+            </a:solidFill>
+          </a:ln>
+        </p:spPr>
+        <p:style>
+          <a:lnRef idx="2">
+            <a:schemeClr val="accent1">
+              <a:shade val="15000"/>
+            </a:schemeClr>
+          </a:lnRef>
+          <a:fillRef idx="1">
+            <a:schemeClr val="accent1"/>
+          </a:fillRef>
+          <a:effectRef idx="0">
+            <a:schemeClr val="accent1"/>
+          </a:effectRef>
+          <a:fontRef idx="minor">
+            <a:schemeClr val="lt1"/>
+          </a:fontRef>
+        </p:style>
+        <p:txBody>
+          <a:bodyPr rtlCol="0" anchor="ctr"/>
+          <a:lstStyle/>
+          <a:p>
+            <a:pPr algn="ctr"/>
+            <a:endParaRPr lang="en-US"/>
+          </a:p>
+        </p:txBody>
+      </p:sp>
+      <p:sp>
+        <p:nvSpPr>
+          <p:cNvPr id="5" name="Oval 4">
+            <a:extLst>
+              <a:ext uri="{FF2B5EF4-FFF2-40B4-BE49-F238E27FC236}">
+                <a16:creationId xmlns:a16="http://schemas.microsoft.com/office/drawing/2014/main" id="{F76E24C8-33C5-082C-84C4-33DEF02EE571}"/>
+              </a:ext>
+            </a:extLst>
+          </p:cNvPr>
+          <p:cNvSpPr/>
+          <p:nvPr/>
+        </p:nvSpPr>
+        <p:spPr>
+          <a:xfrm>
+            <a:off x="6843932" y="1995267"/>
+            <a:ext cx="356382" cy="309489"/>
+          </a:xfrm>
+          <a:prstGeom prst="ellipse">
+            <a:avLst/>
+          </a:prstGeom>
+          <a:noFill/>
+          <a:ln w="28575">
+            <a:solidFill>
+              <a:srgbClr val="FF0000"/>
+            </a:solidFill>
+          </a:ln>
+        </p:spPr>
+        <p:style>
+          <a:lnRef idx="2">
+            <a:schemeClr val="accent1">
+              <a:shade val="15000"/>
+            </a:schemeClr>
+          </a:lnRef>
+          <a:fillRef idx="1">
+            <a:schemeClr val="accent1"/>
+          </a:fillRef>
+          <a:effectRef idx="0">
+            <a:schemeClr val="accent1"/>
+          </a:effectRef>
+          <a:fontRef idx="minor">
+            <a:schemeClr val="lt1"/>
+          </a:fontRef>
+        </p:style>
+        <p:txBody>
+          <a:bodyPr rtlCol="0" anchor="ctr"/>
+          <a:lstStyle/>
+          <a:p>
+            <a:pPr algn="ctr"/>
+            <a:endParaRPr lang="en-US"/>
+          </a:p>
+        </p:txBody>
+      </p:sp>
+      <p:sp>
+        <p:nvSpPr>
+          <p:cNvPr id="6" name="Oval 5">
+            <a:extLst>
+              <a:ext uri="{FF2B5EF4-FFF2-40B4-BE49-F238E27FC236}">
+                <a16:creationId xmlns:a16="http://schemas.microsoft.com/office/drawing/2014/main" id="{6876A99A-8358-057F-7DBC-C843600D54DD}"/>
+              </a:ext>
+            </a:extLst>
+          </p:cNvPr>
+          <p:cNvSpPr/>
+          <p:nvPr/>
+        </p:nvSpPr>
+        <p:spPr>
+          <a:xfrm>
+            <a:off x="7744265" y="2543907"/>
+            <a:ext cx="356382" cy="309489"/>
+          </a:xfrm>
+          <a:prstGeom prst="ellipse">
+            <a:avLst/>
+          </a:prstGeom>
+          <a:noFill/>
+          <a:ln w="28575">
+            <a:solidFill>
+              <a:srgbClr val="FF0000"/>
+            </a:solidFill>
+          </a:ln>
+        </p:spPr>
+        <p:style>
+          <a:lnRef idx="2">
+            <a:schemeClr val="accent1">
+              <a:shade val="15000"/>
+            </a:schemeClr>
+          </a:lnRef>
+          <a:fillRef idx="1">
+            <a:schemeClr val="accent1"/>
+          </a:fillRef>
+          <a:effectRef idx="0">
+            <a:schemeClr val="accent1"/>
+          </a:effectRef>
+          <a:fontRef idx="minor">
+            <a:schemeClr val="lt1"/>
+          </a:fontRef>
+        </p:style>
+        <p:txBody>
+          <a:bodyPr rtlCol="0" anchor="ctr"/>
+          <a:lstStyle/>
+          <a:p>
+            <a:pPr algn="ctr"/>
+            <a:endParaRPr lang="en-US"/>
+          </a:p>
+        </p:txBody>
+      </p:sp>
+      <p:sp>
+        <p:nvSpPr>
+          <p:cNvPr id="7" name="Oval 6">
+            <a:extLst>
+              <a:ext uri="{FF2B5EF4-FFF2-40B4-BE49-F238E27FC236}">
+                <a16:creationId xmlns:a16="http://schemas.microsoft.com/office/drawing/2014/main" id="{2E4521ED-7613-83FE-1587-6AF9BB6CD800}"/>
+              </a:ext>
+            </a:extLst>
+          </p:cNvPr>
+          <p:cNvSpPr/>
+          <p:nvPr/>
+        </p:nvSpPr>
+        <p:spPr>
+          <a:xfrm>
+            <a:off x="5434819" y="2607212"/>
+            <a:ext cx="356382" cy="309489"/>
+          </a:xfrm>
+          <a:prstGeom prst="ellipse">
+            <a:avLst/>
+          </a:prstGeom>
+          <a:noFill/>
+          <a:ln w="28575">
+            <a:solidFill>
+              <a:srgbClr val="00B050"/>
+            </a:solidFill>
+          </a:ln>
+        </p:spPr>
+        <p:style>
+          <a:lnRef idx="2">
+            <a:schemeClr val="accent1">
+              <a:shade val="15000"/>
+            </a:schemeClr>
+          </a:lnRef>
+          <a:fillRef idx="1">
+            <a:schemeClr val="accent1"/>
+          </a:fillRef>
+          <a:effectRef idx="0">
+            <a:schemeClr val="accent1"/>
+          </a:effectRef>
+          <a:fontRef idx="minor">
+            <a:schemeClr val="lt1"/>
+          </a:fontRef>
+        </p:style>
+        <p:txBody>
+          <a:bodyPr rtlCol="0" anchor="ctr"/>
+          <a:lstStyle/>
+          <a:p>
+            <a:pPr algn="ctr"/>
+            <a:endParaRPr lang="en-US"/>
+          </a:p>
+        </p:txBody>
+      </p:sp>
+      <p:sp>
+        <p:nvSpPr>
+          <p:cNvPr id="9" name="Oval 8">
+            <a:extLst>
+              <a:ext uri="{FF2B5EF4-FFF2-40B4-BE49-F238E27FC236}">
+                <a16:creationId xmlns:a16="http://schemas.microsoft.com/office/drawing/2014/main" id="{F0D9B221-8D33-E918-1944-B34CB89384C4}"/>
+              </a:ext>
+            </a:extLst>
+          </p:cNvPr>
+          <p:cNvSpPr/>
+          <p:nvPr/>
+        </p:nvSpPr>
+        <p:spPr>
+          <a:xfrm>
+            <a:off x="7054949" y="3212122"/>
+            <a:ext cx="356382" cy="309489"/>
+          </a:xfrm>
+          <a:prstGeom prst="ellipse">
+            <a:avLst/>
+          </a:prstGeom>
+          <a:noFill/>
+          <a:ln w="28575">
+            <a:solidFill>
+              <a:srgbClr val="00B050"/>
+            </a:solidFill>
+          </a:ln>
+        </p:spPr>
+        <p:style>
+          <a:lnRef idx="2">
+            <a:schemeClr val="accent1">
+              <a:shade val="15000"/>
+            </a:schemeClr>
+          </a:lnRef>
+          <a:fillRef idx="1">
+            <a:schemeClr val="accent1"/>
+          </a:fillRef>
+          <a:effectRef idx="0">
+            <a:schemeClr val="accent1"/>
+          </a:effectRef>
+          <a:fontRef idx="minor">
+            <a:schemeClr val="lt1"/>
+          </a:fontRef>
+        </p:style>
+        <p:txBody>
+          <a:bodyPr rtlCol="0" anchor="ctr"/>
+          <a:lstStyle/>
+          <a:p>
+            <a:pPr algn="ctr"/>
+            <a:endParaRPr lang="en-US"/>
+          </a:p>
+        </p:txBody>
+      </p:sp>
+      <p:sp>
+        <p:nvSpPr>
+          <p:cNvPr id="10" name="Oval 9">
+            <a:extLst>
+              <a:ext uri="{FF2B5EF4-FFF2-40B4-BE49-F238E27FC236}">
+                <a16:creationId xmlns:a16="http://schemas.microsoft.com/office/drawing/2014/main" id="{BAF4C88B-91EE-9CFD-5082-60B47242C0AE}"/>
+              </a:ext>
+            </a:extLst>
+          </p:cNvPr>
+          <p:cNvSpPr/>
+          <p:nvPr/>
+        </p:nvSpPr>
+        <p:spPr>
+          <a:xfrm>
+            <a:off x="6302327" y="3521611"/>
+            <a:ext cx="356382" cy="309489"/>
+          </a:xfrm>
+          <a:prstGeom prst="ellipse">
+            <a:avLst/>
+          </a:prstGeom>
+          <a:noFill/>
+          <a:ln w="28575">
+            <a:solidFill>
+              <a:srgbClr val="00B050"/>
+            </a:solidFill>
+          </a:ln>
+        </p:spPr>
+        <p:style>
+          <a:lnRef idx="2">
+            <a:schemeClr val="accent1">
+              <a:shade val="15000"/>
+            </a:schemeClr>
+          </a:lnRef>
+          <a:fillRef idx="1">
+            <a:schemeClr val="accent1"/>
+          </a:fillRef>
+          <a:effectRef idx="0">
+            <a:schemeClr val="accent1"/>
+          </a:effectRef>
+          <a:fontRef idx="minor">
+            <a:schemeClr val="lt1"/>
+          </a:fontRef>
+        </p:style>
+        <p:txBody>
+          <a:bodyPr rtlCol="0" anchor="ctr"/>
+          <a:lstStyle/>
+          <a:p>
+            <a:pPr algn="ctr"/>
+            <a:endParaRPr lang="en-US"/>
+          </a:p>
+        </p:txBody>
+      </p:sp>
+      <p:sp>
+        <p:nvSpPr>
+          <p:cNvPr id="11" name="Oval 10">
+            <a:extLst>
+              <a:ext uri="{FF2B5EF4-FFF2-40B4-BE49-F238E27FC236}">
+                <a16:creationId xmlns:a16="http://schemas.microsoft.com/office/drawing/2014/main" id="{24D865B5-A682-1A78-9733-E12B8444DD87}"/>
+              </a:ext>
+            </a:extLst>
+          </p:cNvPr>
+          <p:cNvSpPr/>
+          <p:nvPr/>
+        </p:nvSpPr>
+        <p:spPr>
+          <a:xfrm>
+            <a:off x="8025619" y="2698651"/>
+            <a:ext cx="356382" cy="309489"/>
+          </a:xfrm>
+          <a:prstGeom prst="ellipse">
+            <a:avLst/>
+          </a:prstGeom>
+          <a:noFill/>
+          <a:ln w="28575">
+            <a:solidFill>
+              <a:srgbClr val="00B050"/>
+            </a:solidFill>
+          </a:ln>
+        </p:spPr>
+        <p:style>
+          <a:lnRef idx="2">
+            <a:schemeClr val="accent1">
+              <a:shade val="15000"/>
+            </a:schemeClr>
+          </a:lnRef>
+          <a:fillRef idx="1">
+            <a:schemeClr val="accent1"/>
+          </a:fillRef>
+          <a:effectRef idx="0">
+            <a:schemeClr val="accent1"/>
+          </a:effectRef>
+          <a:fontRef idx="minor">
+            <a:schemeClr val="lt1"/>
+          </a:fontRef>
+        </p:style>
+        <p:txBody>
+          <a:bodyPr rtlCol="0" anchor="ctr"/>
+          <a:lstStyle/>
+          <a:p>
+            <a:pPr algn="ctr"/>
+            <a:endParaRPr lang="en-US"/>
+          </a:p>
+        </p:txBody>
+      </p:sp>
+      <p:sp>
+        <p:nvSpPr>
+          <p:cNvPr id="12" name="Oval 11">
+            <a:extLst>
+              <a:ext uri="{FF2B5EF4-FFF2-40B4-BE49-F238E27FC236}">
+                <a16:creationId xmlns:a16="http://schemas.microsoft.com/office/drawing/2014/main" id="{CEF6A357-87E9-2389-85AD-63B32C8EF486}"/>
+              </a:ext>
+            </a:extLst>
+          </p:cNvPr>
+          <p:cNvSpPr/>
+          <p:nvPr/>
+        </p:nvSpPr>
+        <p:spPr>
+          <a:xfrm>
+            <a:off x="5985804" y="3583744"/>
+            <a:ext cx="356382" cy="309489"/>
+          </a:xfrm>
+          <a:prstGeom prst="ellipse">
+            <a:avLst/>
+          </a:prstGeom>
+          <a:noFill/>
+          <a:ln w="28575">
+            <a:solidFill>
+              <a:srgbClr val="00B050"/>
+            </a:solidFill>
+          </a:ln>
+        </p:spPr>
+        <p:style>
+          <a:lnRef idx="2">
+            <a:schemeClr val="accent1">
+              <a:shade val="15000"/>
+            </a:schemeClr>
+          </a:lnRef>
+          <a:fillRef idx="1">
+            <a:schemeClr val="accent1"/>
+          </a:fillRef>
+          <a:effectRef idx="0">
+            <a:schemeClr val="accent1"/>
+          </a:effectRef>
+          <a:fontRef idx="minor">
+            <a:schemeClr val="lt1"/>
+          </a:fontRef>
+        </p:style>
+        <p:txBody>
+          <a:bodyPr rtlCol="0" anchor="ctr"/>
+          <a:lstStyle/>
+          <a:p>
+            <a:pPr algn="ctr"/>
+            <a:endParaRPr lang="en-US"/>
+          </a:p>
+        </p:txBody>
+      </p:sp>
+      <p:sp>
+        <p:nvSpPr>
+          <p:cNvPr id="13" name="Oval 12">
+            <a:extLst>
+              <a:ext uri="{FF2B5EF4-FFF2-40B4-BE49-F238E27FC236}">
+                <a16:creationId xmlns:a16="http://schemas.microsoft.com/office/drawing/2014/main" id="{7060AC70-641E-918D-657D-5952CDBF1016}"/>
+              </a:ext>
+            </a:extLst>
+          </p:cNvPr>
+          <p:cNvSpPr/>
+          <p:nvPr/>
+        </p:nvSpPr>
+        <p:spPr>
+          <a:xfrm>
+            <a:off x="5791201" y="2719752"/>
+            <a:ext cx="356382" cy="309489"/>
+          </a:xfrm>
+          <a:prstGeom prst="ellipse">
+            <a:avLst/>
+          </a:prstGeom>
+          <a:noFill/>
+          <a:ln w="28575">
+            <a:solidFill>
+              <a:srgbClr val="00B050"/>
+            </a:solidFill>
+          </a:ln>
+        </p:spPr>
+        <p:style>
+          <a:lnRef idx="2">
+            <a:schemeClr val="accent1">
+              <a:shade val="15000"/>
+            </a:schemeClr>
+          </a:lnRef>
+          <a:fillRef idx="1">
+            <a:schemeClr val="accent1"/>
+          </a:fillRef>
+          <a:effectRef idx="0">
+            <a:schemeClr val="accent1"/>
+          </a:effectRef>
+          <a:fontRef idx="minor">
+            <a:schemeClr val="lt1"/>
+          </a:fontRef>
+        </p:style>
+        <p:txBody>
+          <a:bodyPr rtlCol="0" anchor="ctr"/>
+          <a:lstStyle/>
+          <a:p>
+            <a:pPr algn="ctr"/>
+            <a:endParaRPr lang="en-US"/>
+          </a:p>
+        </p:txBody>
+      </p:sp>
+    </p:spTree>
+    <p:extLst>
+      <p:ext uri="{BB962C8B-B14F-4D97-AF65-F5344CB8AC3E}">
+        <p14:creationId xmlns:p14="http://schemas.microsoft.com/office/powerpoint/2010/main" val="2025848825"/>
       </p:ext>
     </p:extLst>
   </p:cSld>
